--- a/output/CorrelationDataExplore.pptx
+++ b/output/CorrelationDataExplore.pptx
@@ -9,34 +9,13 @@
     <p:sldId id="285" r:id="rId3"/>
     <p:sldId id="286" r:id="rId4"/>
     <p:sldId id="263" r:id="rId5"/>
-    <p:sldId id="264" r:id="rId6"/>
-    <p:sldId id="265" r:id="rId7"/>
-    <p:sldId id="287" r:id="rId8"/>
-    <p:sldId id="288" r:id="rId9"/>
-    <p:sldId id="267" r:id="rId10"/>
-    <p:sldId id="270" r:id="rId11"/>
-    <p:sldId id="269" r:id="rId12"/>
-    <p:sldId id="271" r:id="rId13"/>
-    <p:sldId id="272" r:id="rId14"/>
-    <p:sldId id="274" r:id="rId15"/>
-    <p:sldId id="273" r:id="rId16"/>
-    <p:sldId id="275" r:id="rId17"/>
-    <p:sldId id="276" r:id="rId18"/>
-    <p:sldId id="294" r:id="rId19"/>
-    <p:sldId id="277" r:id="rId20"/>
-    <p:sldId id="295" r:id="rId21"/>
-    <p:sldId id="278" r:id="rId22"/>
-    <p:sldId id="280" r:id="rId23"/>
-    <p:sldId id="279" r:id="rId24"/>
-    <p:sldId id="289" r:id="rId25"/>
-    <p:sldId id="290" r:id="rId26"/>
-    <p:sldId id="291" r:id="rId27"/>
-    <p:sldId id="281" r:id="rId28"/>
-    <p:sldId id="292" r:id="rId29"/>
-    <p:sldId id="282" r:id="rId30"/>
-    <p:sldId id="293" r:id="rId31"/>
-    <p:sldId id="283" r:id="rId32"/>
-    <p:sldId id="284" r:id="rId33"/>
+    <p:sldId id="296" r:id="rId6"/>
+    <p:sldId id="297" r:id="rId7"/>
+    <p:sldId id="298" r:id="rId8"/>
+    <p:sldId id="265" r:id="rId9"/>
+    <p:sldId id="287" r:id="rId10"/>
+    <p:sldId id="288" r:id="rId11"/>
+    <p:sldId id="267" r:id="rId12"/>
   </p:sldIdLst>
   <p:sldSz cx="12192000" cy="6858000"/>
   <p:notesSz cx="6858000" cy="9144000"/>
@@ -290,7 +269,7 @@
           <a:p>
             <a:fld id="{85ACC561-2AC3-43A0-9949-8F285CAD8042}" type="datetimeFigureOut">
               <a:rPr lang="en-US" smtClean="0"/>
-              <a:t>12/12/2023</a:t>
+              <a:t>1/4/2024</a:t>
             </a:fld>
             <a:endParaRPr lang="en-US"/>
           </a:p>
@@ -488,7 +467,7 @@
           <a:p>
             <a:fld id="{85ACC561-2AC3-43A0-9949-8F285CAD8042}" type="datetimeFigureOut">
               <a:rPr lang="en-US" smtClean="0"/>
-              <a:t>12/12/2023</a:t>
+              <a:t>1/4/2024</a:t>
             </a:fld>
             <a:endParaRPr lang="en-US"/>
           </a:p>
@@ -696,7 +675,7 @@
           <a:p>
             <a:fld id="{85ACC561-2AC3-43A0-9949-8F285CAD8042}" type="datetimeFigureOut">
               <a:rPr lang="en-US" smtClean="0"/>
-              <a:t>12/12/2023</a:t>
+              <a:t>1/4/2024</a:t>
             </a:fld>
             <a:endParaRPr lang="en-US"/>
           </a:p>
@@ -894,7 +873,7 @@
           <a:p>
             <a:fld id="{85ACC561-2AC3-43A0-9949-8F285CAD8042}" type="datetimeFigureOut">
               <a:rPr lang="en-US" smtClean="0"/>
-              <a:t>12/12/2023</a:t>
+              <a:t>1/4/2024</a:t>
             </a:fld>
             <a:endParaRPr lang="en-US"/>
           </a:p>
@@ -1169,7 +1148,7 @@
           <a:p>
             <a:fld id="{85ACC561-2AC3-43A0-9949-8F285CAD8042}" type="datetimeFigureOut">
               <a:rPr lang="en-US" smtClean="0"/>
-              <a:t>12/12/2023</a:t>
+              <a:t>1/4/2024</a:t>
             </a:fld>
             <a:endParaRPr lang="en-US"/>
           </a:p>
@@ -1434,7 +1413,7 @@
           <a:p>
             <a:fld id="{85ACC561-2AC3-43A0-9949-8F285CAD8042}" type="datetimeFigureOut">
               <a:rPr lang="en-US" smtClean="0"/>
-              <a:t>12/12/2023</a:t>
+              <a:t>1/4/2024</a:t>
             </a:fld>
             <a:endParaRPr lang="en-US"/>
           </a:p>
@@ -1846,7 +1825,7 @@
           <a:p>
             <a:fld id="{85ACC561-2AC3-43A0-9949-8F285CAD8042}" type="datetimeFigureOut">
               <a:rPr lang="en-US" smtClean="0"/>
-              <a:t>12/12/2023</a:t>
+              <a:t>1/4/2024</a:t>
             </a:fld>
             <a:endParaRPr lang="en-US"/>
           </a:p>
@@ -1987,7 +1966,7 @@
           <a:p>
             <a:fld id="{85ACC561-2AC3-43A0-9949-8F285CAD8042}" type="datetimeFigureOut">
               <a:rPr lang="en-US" smtClean="0"/>
-              <a:t>12/12/2023</a:t>
+              <a:t>1/4/2024</a:t>
             </a:fld>
             <a:endParaRPr lang="en-US"/>
           </a:p>
@@ -2100,7 +2079,7 @@
           <a:p>
             <a:fld id="{85ACC561-2AC3-43A0-9949-8F285CAD8042}" type="datetimeFigureOut">
               <a:rPr lang="en-US" smtClean="0"/>
-              <a:t>12/12/2023</a:t>
+              <a:t>1/4/2024</a:t>
             </a:fld>
             <a:endParaRPr lang="en-US"/>
           </a:p>
@@ -2411,7 +2390,7 @@
           <a:p>
             <a:fld id="{85ACC561-2AC3-43A0-9949-8F285CAD8042}" type="datetimeFigureOut">
               <a:rPr lang="en-US" smtClean="0"/>
-              <a:t>12/12/2023</a:t>
+              <a:t>1/4/2024</a:t>
             </a:fld>
             <a:endParaRPr lang="en-US"/>
           </a:p>
@@ -2699,7 +2678,7 @@
           <a:p>
             <a:fld id="{85ACC561-2AC3-43A0-9949-8F285CAD8042}" type="datetimeFigureOut">
               <a:rPr lang="en-US" smtClean="0"/>
-              <a:t>12/12/2023</a:t>
+              <a:t>1/4/2024</a:t>
             </a:fld>
             <a:endParaRPr lang="en-US"/>
           </a:p>
@@ -2940,7 +2919,7 @@
           <a:p>
             <a:fld id="{85ACC561-2AC3-43A0-9949-8F285CAD8042}" type="datetimeFigureOut">
               <a:rPr lang="en-US" smtClean="0"/>
-              <a:t>12/12/2023</a:t>
+              <a:t>1/4/2024</a:t>
             </a:fld>
             <a:endParaRPr lang="en-US"/>
           </a:p>
@@ -3359,33 +3338,54 @@
       </p:grpSpPr>
       <p:sp>
         <p:nvSpPr>
-          <p:cNvPr id="2" name="Title 1">
-            <a:extLst>
-              <a:ext uri="{FF2B5EF4-FFF2-40B4-BE49-F238E27FC236}">
-                <a16:creationId xmlns:a16="http://schemas.microsoft.com/office/drawing/2014/main" id="{00D3E957-E17E-20F7-A517-86B19F6AC991}"/>
-              </a:ext>
-            </a:extLst>
-          </p:cNvPr>
-          <p:cNvSpPr>
-            <a:spLocks noGrp="1"/>
-          </p:cNvSpPr>
-          <p:nvPr>
-            <p:ph type="title"/>
-          </p:nvPr>
+          <p:cNvPr id="6" name="Title 1">
+            <a:extLst>
+              <a:ext uri="{FF2B5EF4-FFF2-40B4-BE49-F238E27FC236}">
+                <a16:creationId xmlns:a16="http://schemas.microsoft.com/office/drawing/2014/main" id="{FB5EDAC0-9994-A57B-DA09-705905AED5D4}"/>
+              </a:ext>
+            </a:extLst>
+          </p:cNvPr>
+          <p:cNvSpPr txBox="1">
+            <a:spLocks/>
+          </p:cNvSpPr>
+          <p:nvPr/>
         </p:nvSpPr>
         <p:spPr>
           <a:xfrm>
-            <a:off x="4274820" y="2766218"/>
-            <a:ext cx="3642360" cy="1325563"/>
+            <a:off x="3297616" y="2766218"/>
+            <a:ext cx="5596767" cy="1325563"/>
           </a:xfrm>
+          <a:prstGeom prst="rect">
+            <a:avLst/>
+          </a:prstGeom>
         </p:spPr>
         <p:txBody>
-          <a:bodyPr/>
-          <a:lstStyle/>
+          <a:bodyPr vert="horz" lIns="91440" tIns="45720" rIns="91440" bIns="45720" rtlCol="0" anchor="ctr">
+            <a:normAutofit/>
+          </a:bodyPr>
+          <a:lstStyle>
+            <a:lvl1pPr algn="l" defTabSz="914400" rtl="0" eaLnBrk="1" latinLnBrk="0" hangingPunct="1">
+              <a:lnSpc>
+                <a:spcPct val="90000"/>
+              </a:lnSpc>
+              <a:spcBef>
+                <a:spcPct val="0"/>
+              </a:spcBef>
+              <a:buNone/>
+              <a:defRPr sz="4400" kern="1200">
+                <a:solidFill>
+                  <a:schemeClr val="tx1"/>
+                </a:solidFill>
+                <a:latin typeface="+mj-lt"/>
+                <a:ea typeface="+mj-ea"/>
+                <a:cs typeface="+mj-cs"/>
+              </a:defRPr>
+            </a:lvl1pPr>
+          </a:lstStyle>
           <a:p>
             <a:r>
               <a:rPr lang="en-US" dirty="0"/>
-              <a:t>Missing Values</a:t>
+              <a:t>Missing Values Features</a:t>
             </a:r>
           </a:p>
         </p:txBody>
@@ -3420,43 +3420,46 @@
           <a:chExt cx="0" cy="0"/>
         </a:xfrm>
       </p:grpSpPr>
-      <p:sp>
-        <p:nvSpPr>
-          <p:cNvPr id="2" name="Title 1">
-            <a:extLst>
-              <a:ext uri="{FF2B5EF4-FFF2-40B4-BE49-F238E27FC236}">
-                <a16:creationId xmlns:a16="http://schemas.microsoft.com/office/drawing/2014/main" id="{184EAEAD-98C6-74E6-D31B-867C406076C6}"/>
-              </a:ext>
-            </a:extLst>
-          </p:cNvPr>
-          <p:cNvSpPr>
-            <a:spLocks noGrp="1"/>
-          </p:cNvSpPr>
-          <p:nvPr>
-            <p:ph type="title"/>
-          </p:nvPr>
-        </p:nvSpPr>
+      <p:pic>
+        <p:nvPicPr>
+          <p:cNvPr id="4" name="Picture 3" descr="A graph showing a line of rhombuses&#10;&#10;Description automatically generated">
+            <a:extLst>
+              <a:ext uri="{FF2B5EF4-FFF2-40B4-BE49-F238E27FC236}">
+                <a16:creationId xmlns:a16="http://schemas.microsoft.com/office/drawing/2014/main" id="{2C72CC21-FE63-CEE6-8DB8-0329C9F28736}"/>
+              </a:ext>
+            </a:extLst>
+          </p:cNvPr>
+          <p:cNvPicPr>
+            <a:picLocks noChangeAspect="1"/>
+          </p:cNvPicPr>
+          <p:nvPr/>
+        </p:nvPicPr>
+        <p:blipFill>
+          <a:blip r:embed="rId2">
+            <a:extLst>
+              <a:ext uri="{28A0092B-C50C-407E-A947-70E740481C1C}">
+                <a14:useLocalDpi xmlns:a14="http://schemas.microsoft.com/office/drawing/2010/main" val="0"/>
+              </a:ext>
+            </a:extLst>
+          </a:blip>
+          <a:stretch>
+            <a:fillRect/>
+          </a:stretch>
+        </p:blipFill>
         <p:spPr>
           <a:xfrm>
-            <a:off x="2877820" y="2766218"/>
-            <a:ext cx="6436360" cy="1325563"/>
+            <a:off x="1999678" y="204337"/>
+            <a:ext cx="8192643" cy="6449325"/>
           </a:xfrm>
+          <a:prstGeom prst="rect">
+            <a:avLst/>
+          </a:prstGeom>
         </p:spPr>
-        <p:txBody>
-          <a:bodyPr/>
-          <a:lstStyle/>
-          <a:p>
-            <a:r>
-              <a:rPr lang="en-US" dirty="0"/>
-              <a:t>Combined (Missing + HVGs)</a:t>
-            </a:r>
-          </a:p>
-        </p:txBody>
-      </p:sp>
+      </p:pic>
     </p:spTree>
     <p:extLst>
       <p:ext uri="{BB962C8B-B14F-4D97-AF65-F5344CB8AC3E}">
-        <p14:creationId xmlns:p14="http://schemas.microsoft.com/office/powerpoint/2010/main" val="699386650"/>
+        <p14:creationId xmlns:p14="http://schemas.microsoft.com/office/powerpoint/2010/main" val="3743854474"/>
       </p:ext>
     </p:extLst>
   </p:cSld>
@@ -3485,10 +3488,10 @@
       </p:grpSpPr>
       <p:sp>
         <p:nvSpPr>
-          <p:cNvPr id="6" name="TextBox 5">
-            <a:extLst>
-              <a:ext uri="{FF2B5EF4-FFF2-40B4-BE49-F238E27FC236}">
-                <a16:creationId xmlns:a16="http://schemas.microsoft.com/office/drawing/2014/main" id="{589F8E01-9248-E7C6-1110-96E1377E0084}"/>
+          <p:cNvPr id="4" name="TextBox 3">
+            <a:extLst>
+              <a:ext uri="{FF2B5EF4-FFF2-40B4-BE49-F238E27FC236}">
+                <a16:creationId xmlns:a16="http://schemas.microsoft.com/office/drawing/2014/main" id="{466FCB3E-A74C-1C3A-5E40-BEA417BC312F}"/>
               </a:ext>
             </a:extLst>
           </p:cNvPr>
@@ -3497,8 +3500,8 @@
         </p:nvSpPr>
         <p:spPr>
           <a:xfrm>
-            <a:off x="1797745" y="5934670"/>
-            <a:ext cx="2449710" cy="923330"/>
+            <a:off x="708386" y="6079274"/>
+            <a:ext cx="3186129" cy="369332"/>
           </a:xfrm>
           <a:prstGeom prst="rect">
             <a:avLst/>
@@ -3513,19 +3516,7 @@
           <a:p>
             <a:r>
               <a:rPr lang="en-US" dirty="0"/>
-              <a:t>171 Proteins</a:t>
-            </a:r>
-          </a:p>
-          <a:p>
-            <a:r>
-              <a:rPr lang="en-US" dirty="0"/>
-              <a:t>less than 96.5% missing </a:t>
-            </a:r>
-          </a:p>
-          <a:p>
-            <a:r>
-              <a:rPr lang="en-US" dirty="0"/>
-              <a:t>most variable 20%</a:t>
+              <a:t>305 Proteins, most variable 10%</a:t>
             </a:r>
           </a:p>
         </p:txBody>
@@ -3535,7 +3526,7 @@
           <p:cNvPr id="9" name="TextBox 8">
             <a:extLst>
               <a:ext uri="{FF2B5EF4-FFF2-40B4-BE49-F238E27FC236}">
-                <a16:creationId xmlns:a16="http://schemas.microsoft.com/office/drawing/2014/main" id="{5FD12A1A-5B7C-D3E7-20CF-B8F9C3A3F485}"/>
+                <a16:creationId xmlns:a16="http://schemas.microsoft.com/office/drawing/2014/main" id="{D2D88703-35F8-9EEB-DE1C-6526780BFC53}"/>
               </a:ext>
             </a:extLst>
           </p:cNvPr>
@@ -3544,8 +3535,8 @@
         </p:nvSpPr>
         <p:spPr>
           <a:xfrm>
-            <a:off x="8147745" y="5934670"/>
-            <a:ext cx="2717603" cy="923330"/>
+            <a:off x="6675120" y="6013234"/>
+            <a:ext cx="3163687" cy="369332"/>
           </a:xfrm>
           <a:prstGeom prst="rect">
             <a:avLst/>
@@ -3560,29 +3551,17 @@
           <a:p>
             <a:r>
               <a:rPr lang="en-US" dirty="0"/>
-              <a:t>177 Proteins</a:t>
-            </a:r>
-          </a:p>
-          <a:p>
-            <a:r>
-              <a:rPr lang="en-US" dirty="0"/>
-              <a:t>more than 99.99% missing </a:t>
-            </a:r>
-          </a:p>
-          <a:p>
-            <a:r>
-              <a:rPr lang="en-US" dirty="0"/>
-              <a:t>least variable 20%</a:t>
+              <a:t>305 Proteins, least variable 10%</a:t>
             </a:r>
           </a:p>
         </p:txBody>
       </p:sp>
       <p:pic>
         <p:nvPicPr>
-          <p:cNvPr id="3" name="Picture 2" descr="A white and blue squares&#10;&#10;Description automatically generated">
-            <a:extLst>
-              <a:ext uri="{FF2B5EF4-FFF2-40B4-BE49-F238E27FC236}">
-                <a16:creationId xmlns:a16="http://schemas.microsoft.com/office/drawing/2014/main" id="{75D977E4-47AA-B70B-EDA8-BADA16B4FF44}"/>
+          <p:cNvPr id="3" name="Picture 2" descr="A red and blue squares&#10;&#10;Description automatically generated">
+            <a:extLst>
+              <a:ext uri="{FF2B5EF4-FFF2-40B4-BE49-F238E27FC236}">
+                <a16:creationId xmlns:a16="http://schemas.microsoft.com/office/drawing/2014/main" id="{4AAD9EB1-E5C5-B357-F176-20D1E6A4723A}"/>
               </a:ext>
             </a:extLst>
           </p:cNvPr>
@@ -3599,13 +3578,13 @@
               </a:ext>
             </a:extLst>
           </a:blip>
-          <a:srcRect l="20101" r="20202"/>
+          <a:srcRect l="20603" r="19499"/>
           <a:stretch/>
         </p:blipFill>
         <p:spPr>
           <a:xfrm>
-            <a:off x="50800" y="4763"/>
-            <a:ext cx="6045200" cy="5992061"/>
+            <a:off x="30479" y="92926"/>
+            <a:ext cx="6065521" cy="5992061"/>
           </a:xfrm>
           <a:prstGeom prst="rect">
             <a:avLst/>
@@ -3614,10 +3593,10 @@
       </p:pic>
       <p:pic>
         <p:nvPicPr>
-          <p:cNvPr id="7" name="Picture 6" descr="A blue and red grid&#10;&#10;Description automatically generated">
-            <a:extLst>
-              <a:ext uri="{FF2B5EF4-FFF2-40B4-BE49-F238E27FC236}">
-                <a16:creationId xmlns:a16="http://schemas.microsoft.com/office/drawing/2014/main" id="{7C5F7CA1-4CDF-8665-65AA-2F17A9C16FDE}"/>
+          <p:cNvPr id="7" name="Picture 6" descr="A grid of squares with red and blue squares&#10;&#10;Description automatically generated">
+            <a:extLst>
+              <a:ext uri="{FF2B5EF4-FFF2-40B4-BE49-F238E27FC236}">
+                <a16:creationId xmlns:a16="http://schemas.microsoft.com/office/drawing/2014/main" id="{F27753F7-C956-48DE-C28C-8FE466E2EA55}"/>
               </a:ext>
             </a:extLst>
           </p:cNvPr>
@@ -3634,13 +3613,13 @@
               </a:ext>
             </a:extLst>
           </a:blip>
-          <a:srcRect l="20302" r="20001"/>
+          <a:srcRect l="20101" r="20001"/>
           <a:stretch/>
         </p:blipFill>
         <p:spPr>
           <a:xfrm>
-            <a:off x="6096000" y="4763"/>
-            <a:ext cx="6045200" cy="5992061"/>
+            <a:off x="6096000" y="92926"/>
+            <a:ext cx="6065521" cy="5992061"/>
           </a:xfrm>
           <a:prstGeom prst="rect">
             <a:avLst/>
@@ -3650,859 +3629,7 @@
     </p:spTree>
     <p:extLst>
       <p:ext uri="{BB962C8B-B14F-4D97-AF65-F5344CB8AC3E}">
-        <p14:creationId xmlns:p14="http://schemas.microsoft.com/office/powerpoint/2010/main" val="3682613905"/>
-      </p:ext>
-    </p:extLst>
-  </p:cSld>
-  <p:clrMapOvr>
-    <a:masterClrMapping/>
-  </p:clrMapOvr>
-</p:sld>
-</file>
-
-<file path=ppt/slides/slide12.xml><?xml version="1.0" encoding="utf-8"?>
-<p:sld xmlns:a="http://schemas.openxmlformats.org/drawingml/2006/main" xmlns:r="http://schemas.openxmlformats.org/officeDocument/2006/relationships" xmlns:p="http://schemas.openxmlformats.org/presentationml/2006/main">
-  <p:cSld>
-    <p:spTree>
-      <p:nvGrpSpPr>
-        <p:cNvPr id="1" name=""/>
-        <p:cNvGrpSpPr/>
-        <p:nvPr/>
-      </p:nvGrpSpPr>
-      <p:grpSpPr>
-        <a:xfrm>
-          <a:off x="0" y="0"/>
-          <a:ext cx="0" cy="0"/>
-          <a:chOff x="0" y="0"/>
-          <a:chExt cx="0" cy="0"/>
-        </a:xfrm>
-      </p:grpSpPr>
-      <p:sp>
-        <p:nvSpPr>
-          <p:cNvPr id="2" name="Title 1">
-            <a:extLst>
-              <a:ext uri="{FF2B5EF4-FFF2-40B4-BE49-F238E27FC236}">
-                <a16:creationId xmlns:a16="http://schemas.microsoft.com/office/drawing/2014/main" id="{EEB935AF-8A6D-DC9D-66DF-BA189BA3FC8A}"/>
-              </a:ext>
-            </a:extLst>
-          </p:cNvPr>
-          <p:cNvSpPr>
-            <a:spLocks noGrp="1"/>
-          </p:cNvSpPr>
-          <p:nvPr>
-            <p:ph type="title"/>
-          </p:nvPr>
-        </p:nvSpPr>
-        <p:spPr>
-          <a:xfrm>
-            <a:off x="3274060" y="2675731"/>
-            <a:ext cx="5643880" cy="1325563"/>
-          </a:xfrm>
-        </p:spPr>
-        <p:txBody>
-          <a:bodyPr/>
-          <a:lstStyle/>
-          <a:p>
-            <a:r>
-              <a:rPr lang="en-US" dirty="0"/>
-              <a:t>WGCNA Missing Values</a:t>
-            </a:r>
-          </a:p>
-        </p:txBody>
-      </p:sp>
-    </p:spTree>
-    <p:extLst>
-      <p:ext uri="{BB962C8B-B14F-4D97-AF65-F5344CB8AC3E}">
-        <p14:creationId xmlns:p14="http://schemas.microsoft.com/office/powerpoint/2010/main" val="570837472"/>
-      </p:ext>
-    </p:extLst>
-  </p:cSld>
-  <p:clrMapOvr>
-    <a:masterClrMapping/>
-  </p:clrMapOvr>
-</p:sld>
-</file>
-
-<file path=ppt/slides/slide13.xml><?xml version="1.0" encoding="utf-8"?>
-<p:sld xmlns:a="http://schemas.openxmlformats.org/drawingml/2006/main" xmlns:r="http://schemas.openxmlformats.org/officeDocument/2006/relationships" xmlns:p="http://schemas.openxmlformats.org/presentationml/2006/main">
-  <p:cSld>
-    <p:spTree>
-      <p:nvGrpSpPr>
-        <p:cNvPr id="1" name=""/>
-        <p:cNvGrpSpPr/>
-        <p:nvPr/>
-      </p:nvGrpSpPr>
-      <p:grpSpPr>
-        <a:xfrm>
-          <a:off x="0" y="0"/>
-          <a:ext cx="0" cy="0"/>
-          <a:chOff x="0" y="0"/>
-          <a:chExt cx="0" cy="0"/>
-        </a:xfrm>
-      </p:grpSpPr>
-      <p:pic>
-        <p:nvPicPr>
-          <p:cNvPr id="5" name="Picture 4" descr="A graph showing a cluster&#10;&#10;Description automatically generated">
-            <a:extLst>
-              <a:ext uri="{FF2B5EF4-FFF2-40B4-BE49-F238E27FC236}">
-                <a16:creationId xmlns:a16="http://schemas.microsoft.com/office/drawing/2014/main" id="{C3B08DB5-6E89-F575-910B-760ACF8D7125}"/>
-              </a:ext>
-            </a:extLst>
-          </p:cNvPr>
-          <p:cNvPicPr>
-            <a:picLocks noChangeAspect="1"/>
-          </p:cNvPicPr>
-          <p:nvPr/>
-        </p:nvPicPr>
-        <p:blipFill>
-          <a:blip r:embed="rId2">
-            <a:extLst>
-              <a:ext uri="{28A0092B-C50C-407E-A947-70E740481C1C}">
-                <a14:useLocalDpi xmlns:a14="http://schemas.microsoft.com/office/drawing/2010/main" val="0"/>
-              </a:ext>
-            </a:extLst>
-          </a:blip>
-          <a:stretch>
-            <a:fillRect/>
-          </a:stretch>
-        </p:blipFill>
-        <p:spPr>
-          <a:xfrm>
-            <a:off x="1027992" y="428206"/>
-            <a:ext cx="10136015" cy="6001588"/>
-          </a:xfrm>
-          <a:prstGeom prst="rect">
-            <a:avLst/>
-          </a:prstGeom>
-        </p:spPr>
-      </p:pic>
-      <p:sp>
-        <p:nvSpPr>
-          <p:cNvPr id="7" name="TextBox 6">
-            <a:extLst>
-              <a:ext uri="{FF2B5EF4-FFF2-40B4-BE49-F238E27FC236}">
-                <a16:creationId xmlns:a16="http://schemas.microsoft.com/office/drawing/2014/main" id="{C31FC4CB-43A1-3619-0F41-BE4BA71B51E8}"/>
-              </a:ext>
-            </a:extLst>
-          </p:cNvPr>
-          <p:cNvSpPr txBox="1"/>
-          <p:nvPr/>
-        </p:nvSpPr>
-        <p:spPr>
-          <a:xfrm>
-            <a:off x="3281680" y="6245128"/>
-            <a:ext cx="5244128" cy="369332"/>
-          </a:xfrm>
-          <a:prstGeom prst="rect">
-            <a:avLst/>
-          </a:prstGeom>
-          <a:noFill/>
-        </p:spPr>
-        <p:txBody>
-          <a:bodyPr wrap="none" rtlCol="0">
-            <a:spAutoFit/>
-          </a:bodyPr>
-          <a:lstStyle/>
-          <a:p>
-            <a:r>
-              <a:rPr lang="en-US" dirty="0"/>
-              <a:t>886 Proteins (</a:t>
-            </a:r>
-            <a:r>
-              <a:rPr lang="en-US" dirty="0" err="1"/>
-              <a:t>pNA</a:t>
-            </a:r>
-            <a:r>
-              <a:rPr lang="en-US" dirty="0"/>
-              <a:t> 0.9999), more than 99.99% missing</a:t>
-            </a:r>
-          </a:p>
-        </p:txBody>
-      </p:sp>
-    </p:spTree>
-    <p:extLst>
-      <p:ext uri="{BB962C8B-B14F-4D97-AF65-F5344CB8AC3E}">
-        <p14:creationId xmlns:p14="http://schemas.microsoft.com/office/powerpoint/2010/main" val="1176879523"/>
-      </p:ext>
-    </p:extLst>
-  </p:cSld>
-  <p:clrMapOvr>
-    <a:masterClrMapping/>
-  </p:clrMapOvr>
-</p:sld>
-</file>
-
-<file path=ppt/slides/slide14.xml><?xml version="1.0" encoding="utf-8"?>
-<p:sld xmlns:a="http://schemas.openxmlformats.org/drawingml/2006/main" xmlns:r="http://schemas.openxmlformats.org/officeDocument/2006/relationships" xmlns:p="http://schemas.openxmlformats.org/presentationml/2006/main">
-  <p:cSld>
-    <p:spTree>
-      <p:nvGrpSpPr>
-        <p:cNvPr id="1" name=""/>
-        <p:cNvGrpSpPr/>
-        <p:nvPr/>
-      </p:nvGrpSpPr>
-      <p:grpSpPr>
-        <a:xfrm>
-          <a:off x="0" y="0"/>
-          <a:ext cx="0" cy="0"/>
-          <a:chOff x="0" y="0"/>
-          <a:chExt cx="0" cy="0"/>
-        </a:xfrm>
-      </p:grpSpPr>
-      <p:pic>
-        <p:nvPicPr>
-          <p:cNvPr id="7" name="Picture 6" descr="A graph with different colored bars&#10;&#10;Description automatically generated">
-            <a:extLst>
-              <a:ext uri="{FF2B5EF4-FFF2-40B4-BE49-F238E27FC236}">
-                <a16:creationId xmlns:a16="http://schemas.microsoft.com/office/drawing/2014/main" id="{015DECE4-892D-3918-0ED7-CA354D081E42}"/>
-              </a:ext>
-            </a:extLst>
-          </p:cNvPr>
-          <p:cNvPicPr>
-            <a:picLocks noChangeAspect="1"/>
-          </p:cNvPicPr>
-          <p:nvPr/>
-        </p:nvPicPr>
-        <p:blipFill>
-          <a:blip r:embed="rId2">
-            <a:extLst>
-              <a:ext uri="{28A0092B-C50C-407E-A947-70E740481C1C}">
-                <a14:useLocalDpi xmlns:a14="http://schemas.microsoft.com/office/drawing/2010/main" val="0"/>
-              </a:ext>
-            </a:extLst>
-          </a:blip>
-          <a:stretch>
-            <a:fillRect/>
-          </a:stretch>
-        </p:blipFill>
-        <p:spPr>
-          <a:xfrm>
-            <a:off x="6321353" y="0"/>
-            <a:ext cx="5791200" cy="3429000"/>
-          </a:xfrm>
-          <a:prstGeom prst="rect">
-            <a:avLst/>
-          </a:prstGeom>
-        </p:spPr>
-      </p:pic>
-      <p:pic>
-        <p:nvPicPr>
-          <p:cNvPr id="9" name="Picture 8" descr="A graph with different colored bars&#10;&#10;Description automatically generated">
-            <a:extLst>
-              <a:ext uri="{FF2B5EF4-FFF2-40B4-BE49-F238E27FC236}">
-                <a16:creationId xmlns:a16="http://schemas.microsoft.com/office/drawing/2014/main" id="{183F9A49-5083-7FF7-54B3-DB7E44C8188E}"/>
-              </a:ext>
-            </a:extLst>
-          </p:cNvPr>
-          <p:cNvPicPr>
-            <a:picLocks noChangeAspect="1"/>
-          </p:cNvPicPr>
-          <p:nvPr/>
-        </p:nvPicPr>
-        <p:blipFill>
-          <a:blip r:embed="rId3">
-            <a:extLst>
-              <a:ext uri="{28A0092B-C50C-407E-A947-70E740481C1C}">
-                <a14:useLocalDpi xmlns:a14="http://schemas.microsoft.com/office/drawing/2010/main" val="0"/>
-              </a:ext>
-            </a:extLst>
-          </a:blip>
-          <a:stretch>
-            <a:fillRect/>
-          </a:stretch>
-        </p:blipFill>
-        <p:spPr>
-          <a:xfrm>
-            <a:off x="0" y="0"/>
-            <a:ext cx="5791200" cy="3429000"/>
-          </a:xfrm>
-          <a:prstGeom prst="rect">
-            <a:avLst/>
-          </a:prstGeom>
-        </p:spPr>
-      </p:pic>
-      <p:sp>
-        <p:nvSpPr>
-          <p:cNvPr id="10" name="TextBox 9">
-            <a:extLst>
-              <a:ext uri="{FF2B5EF4-FFF2-40B4-BE49-F238E27FC236}">
-                <a16:creationId xmlns:a16="http://schemas.microsoft.com/office/drawing/2014/main" id="{AF3BC86B-0DEE-859C-CFCD-6FABE45DC3AC}"/>
-              </a:ext>
-            </a:extLst>
-          </p:cNvPr>
-          <p:cNvSpPr txBox="1"/>
-          <p:nvPr/>
-        </p:nvSpPr>
-        <p:spPr>
-          <a:xfrm>
-            <a:off x="3699289" y="3429000"/>
-            <a:ext cx="5244128" cy="369332"/>
-          </a:xfrm>
-          <a:prstGeom prst="rect">
-            <a:avLst/>
-          </a:prstGeom>
-          <a:noFill/>
-        </p:spPr>
-        <p:txBody>
-          <a:bodyPr wrap="none" rtlCol="0">
-            <a:spAutoFit/>
-          </a:bodyPr>
-          <a:lstStyle/>
-          <a:p>
-            <a:r>
-              <a:rPr lang="en-US" dirty="0"/>
-              <a:t>886 Proteins (</a:t>
-            </a:r>
-            <a:r>
-              <a:rPr lang="en-US" dirty="0" err="1"/>
-              <a:t>pNA</a:t>
-            </a:r>
-            <a:r>
-              <a:rPr lang="en-US" dirty="0"/>
-              <a:t> 0.9999), more than 99.99% missing</a:t>
-            </a:r>
-          </a:p>
-        </p:txBody>
-      </p:sp>
-    </p:spTree>
-    <p:extLst>
-      <p:ext uri="{BB962C8B-B14F-4D97-AF65-F5344CB8AC3E}">
-        <p14:creationId xmlns:p14="http://schemas.microsoft.com/office/powerpoint/2010/main" val="1720065421"/>
-      </p:ext>
-    </p:extLst>
-  </p:cSld>
-  <p:clrMapOvr>
-    <a:masterClrMapping/>
-  </p:clrMapOvr>
-</p:sld>
-</file>
-
-<file path=ppt/slides/slide15.xml><?xml version="1.0" encoding="utf-8"?>
-<p:sld xmlns:a="http://schemas.openxmlformats.org/drawingml/2006/main" xmlns:r="http://schemas.openxmlformats.org/officeDocument/2006/relationships" xmlns:p="http://schemas.openxmlformats.org/presentationml/2006/main">
-  <p:cSld>
-    <p:spTree>
-      <p:nvGrpSpPr>
-        <p:cNvPr id="1" name=""/>
-        <p:cNvGrpSpPr/>
-        <p:nvPr/>
-      </p:nvGrpSpPr>
-      <p:grpSpPr>
-        <a:xfrm>
-          <a:off x="0" y="0"/>
-          <a:ext cx="0" cy="0"/>
-          <a:chOff x="0" y="0"/>
-          <a:chExt cx="0" cy="0"/>
-        </a:xfrm>
-      </p:grpSpPr>
-      <p:pic>
-        <p:nvPicPr>
-          <p:cNvPr id="5" name="Picture 4" descr="A graph of a mountain&#10;&#10;Description automatically generated">
-            <a:extLst>
-              <a:ext uri="{FF2B5EF4-FFF2-40B4-BE49-F238E27FC236}">
-                <a16:creationId xmlns:a16="http://schemas.microsoft.com/office/drawing/2014/main" id="{F9C237D4-E957-AB5E-527D-6B8E9395C217}"/>
-              </a:ext>
-            </a:extLst>
-          </p:cNvPr>
-          <p:cNvPicPr>
-            <a:picLocks noChangeAspect="1"/>
-          </p:cNvPicPr>
-          <p:nvPr/>
-        </p:nvPicPr>
-        <p:blipFill>
-          <a:blip r:embed="rId2">
-            <a:extLst>
-              <a:ext uri="{28A0092B-C50C-407E-A947-70E740481C1C}">
-                <a14:useLocalDpi xmlns:a14="http://schemas.microsoft.com/office/drawing/2010/main" val="0"/>
-              </a:ext>
-            </a:extLst>
-          </a:blip>
-          <a:stretch>
-            <a:fillRect/>
-          </a:stretch>
-        </p:blipFill>
-        <p:spPr>
-          <a:xfrm>
-            <a:off x="1027992" y="214846"/>
-            <a:ext cx="10136015" cy="6001588"/>
-          </a:xfrm>
-          <a:prstGeom prst="rect">
-            <a:avLst/>
-          </a:prstGeom>
-        </p:spPr>
-      </p:pic>
-      <p:sp>
-        <p:nvSpPr>
-          <p:cNvPr id="6" name="TextBox 5">
-            <a:extLst>
-              <a:ext uri="{FF2B5EF4-FFF2-40B4-BE49-F238E27FC236}">
-                <a16:creationId xmlns:a16="http://schemas.microsoft.com/office/drawing/2014/main" id="{5747C781-DC8D-4ECD-FD4C-A8729A93B5C4}"/>
-              </a:ext>
-            </a:extLst>
-          </p:cNvPr>
-          <p:cNvSpPr txBox="1"/>
-          <p:nvPr/>
-        </p:nvSpPr>
-        <p:spPr>
-          <a:xfrm>
-            <a:off x="3666391" y="6031768"/>
-            <a:ext cx="4859215" cy="369332"/>
-          </a:xfrm>
-          <a:prstGeom prst="rect">
-            <a:avLst/>
-          </a:prstGeom>
-          <a:noFill/>
-        </p:spPr>
-        <p:txBody>
-          <a:bodyPr wrap="none" rtlCol="0">
-            <a:spAutoFit/>
-          </a:bodyPr>
-          <a:lstStyle/>
-          <a:p>
-            <a:r>
-              <a:rPr lang="en-US" dirty="0"/>
-              <a:t>851 Proteins (</a:t>
-            </a:r>
-            <a:r>
-              <a:rPr lang="en-US" dirty="0" err="1"/>
-              <a:t>pNA</a:t>
-            </a:r>
-            <a:r>
-              <a:rPr lang="en-US" dirty="0"/>
-              <a:t> 0.965), less than 96.5% missing</a:t>
-            </a:r>
-          </a:p>
-        </p:txBody>
-      </p:sp>
-    </p:spTree>
-    <p:extLst>
-      <p:ext uri="{BB962C8B-B14F-4D97-AF65-F5344CB8AC3E}">
-        <p14:creationId xmlns:p14="http://schemas.microsoft.com/office/powerpoint/2010/main" val="3892010264"/>
-      </p:ext>
-    </p:extLst>
-  </p:cSld>
-  <p:clrMapOvr>
-    <a:masterClrMapping/>
-  </p:clrMapOvr>
-</p:sld>
-</file>
-
-<file path=ppt/slides/slide16.xml><?xml version="1.0" encoding="utf-8"?>
-<p:sld xmlns:a="http://schemas.openxmlformats.org/drawingml/2006/main" xmlns:r="http://schemas.openxmlformats.org/officeDocument/2006/relationships" xmlns:p="http://schemas.openxmlformats.org/presentationml/2006/main">
-  <p:cSld>
-    <p:spTree>
-      <p:nvGrpSpPr>
-        <p:cNvPr id="1" name=""/>
-        <p:cNvGrpSpPr/>
-        <p:nvPr/>
-      </p:nvGrpSpPr>
-      <p:grpSpPr>
-        <a:xfrm>
-          <a:off x="0" y="0"/>
-          <a:ext cx="0" cy="0"/>
-          <a:chOff x="0" y="0"/>
-          <a:chExt cx="0" cy="0"/>
-        </a:xfrm>
-      </p:grpSpPr>
-      <p:sp>
-        <p:nvSpPr>
-          <p:cNvPr id="4" name="Title 1">
-            <a:extLst>
-              <a:ext uri="{FF2B5EF4-FFF2-40B4-BE49-F238E27FC236}">
-                <a16:creationId xmlns:a16="http://schemas.microsoft.com/office/drawing/2014/main" id="{51A690D1-64A3-E074-1C9B-ACAC542638E2}"/>
-              </a:ext>
-            </a:extLst>
-          </p:cNvPr>
-          <p:cNvSpPr>
-            <a:spLocks noGrp="1"/>
-          </p:cNvSpPr>
-          <p:nvPr>
-            <p:ph type="title"/>
-          </p:nvPr>
-        </p:nvSpPr>
-        <p:spPr>
-          <a:xfrm>
-            <a:off x="2861310" y="2766218"/>
-            <a:ext cx="6469380" cy="1325563"/>
-          </a:xfrm>
-        </p:spPr>
-        <p:txBody>
-          <a:bodyPr/>
-          <a:lstStyle/>
-          <a:p>
-            <a:r>
-              <a:rPr lang="en-US" dirty="0">
-                <a:solidFill>
-                  <a:srgbClr val="FF0000"/>
-                </a:solidFill>
-              </a:rPr>
-              <a:t>No Significant Enrichment?</a:t>
-            </a:r>
-          </a:p>
-        </p:txBody>
-      </p:sp>
-      <p:sp>
-        <p:nvSpPr>
-          <p:cNvPr id="5" name="TextBox 4">
-            <a:extLst>
-              <a:ext uri="{FF2B5EF4-FFF2-40B4-BE49-F238E27FC236}">
-                <a16:creationId xmlns:a16="http://schemas.microsoft.com/office/drawing/2014/main" id="{8B4C8B02-82BF-F681-9793-1569DA23F866}"/>
-              </a:ext>
-            </a:extLst>
-          </p:cNvPr>
-          <p:cNvSpPr txBox="1"/>
-          <p:nvPr/>
-        </p:nvSpPr>
-        <p:spPr>
-          <a:xfrm>
-            <a:off x="3666392" y="3907115"/>
-            <a:ext cx="4859215" cy="369332"/>
-          </a:xfrm>
-          <a:prstGeom prst="rect">
-            <a:avLst/>
-          </a:prstGeom>
-          <a:noFill/>
-        </p:spPr>
-        <p:txBody>
-          <a:bodyPr wrap="none" rtlCol="0">
-            <a:spAutoFit/>
-          </a:bodyPr>
-          <a:lstStyle/>
-          <a:p>
-            <a:r>
-              <a:rPr lang="en-US" dirty="0"/>
-              <a:t>851 Proteins (</a:t>
-            </a:r>
-            <a:r>
-              <a:rPr lang="en-US" dirty="0" err="1"/>
-              <a:t>pNA</a:t>
-            </a:r>
-            <a:r>
-              <a:rPr lang="en-US" dirty="0"/>
-              <a:t> 0.965), less than 96.5% missing</a:t>
-            </a:r>
-          </a:p>
-        </p:txBody>
-      </p:sp>
-    </p:spTree>
-    <p:extLst>
-      <p:ext uri="{BB962C8B-B14F-4D97-AF65-F5344CB8AC3E}">
-        <p14:creationId xmlns:p14="http://schemas.microsoft.com/office/powerpoint/2010/main" val="1602533220"/>
-      </p:ext>
-    </p:extLst>
-  </p:cSld>
-  <p:clrMapOvr>
-    <a:masterClrMapping/>
-  </p:clrMapOvr>
-</p:sld>
-</file>
-
-<file path=ppt/slides/slide17.xml><?xml version="1.0" encoding="utf-8"?>
-<p:sld xmlns:a="http://schemas.openxmlformats.org/drawingml/2006/main" xmlns:r="http://schemas.openxmlformats.org/officeDocument/2006/relationships" xmlns:p="http://schemas.openxmlformats.org/presentationml/2006/main">
-  <p:cSld>
-    <p:spTree>
-      <p:nvGrpSpPr>
-        <p:cNvPr id="1" name=""/>
-        <p:cNvGrpSpPr/>
-        <p:nvPr/>
-      </p:nvGrpSpPr>
-      <p:grpSpPr>
-        <a:xfrm>
-          <a:off x="0" y="0"/>
-          <a:ext cx="0" cy="0"/>
-          <a:chOff x="0" y="0"/>
-          <a:chExt cx="0" cy="0"/>
-        </a:xfrm>
-      </p:grpSpPr>
-      <p:sp>
-        <p:nvSpPr>
-          <p:cNvPr id="2" name="Title 1">
-            <a:extLst>
-              <a:ext uri="{FF2B5EF4-FFF2-40B4-BE49-F238E27FC236}">
-                <a16:creationId xmlns:a16="http://schemas.microsoft.com/office/drawing/2014/main" id="{975B014B-D48F-8E13-3887-A5F5F88A77ED}"/>
-              </a:ext>
-            </a:extLst>
-          </p:cNvPr>
-          <p:cNvSpPr>
-            <a:spLocks noGrp="1"/>
-          </p:cNvSpPr>
-          <p:nvPr>
-            <p:ph type="title"/>
-          </p:nvPr>
-        </p:nvSpPr>
-        <p:spPr>
-          <a:xfrm>
-            <a:off x="3700780" y="1825625"/>
-            <a:ext cx="4790440" cy="1325563"/>
-          </a:xfrm>
-        </p:spPr>
-        <p:txBody>
-          <a:bodyPr/>
-          <a:lstStyle/>
-          <a:p>
-            <a:r>
-              <a:rPr lang="en-US" dirty="0"/>
-              <a:t>CPM Missing Values</a:t>
-            </a:r>
-          </a:p>
-        </p:txBody>
-      </p:sp>
-    </p:spTree>
-    <p:extLst>
-      <p:ext uri="{BB962C8B-B14F-4D97-AF65-F5344CB8AC3E}">
-        <p14:creationId xmlns:p14="http://schemas.microsoft.com/office/powerpoint/2010/main" val="1730993444"/>
-      </p:ext>
-    </p:extLst>
-  </p:cSld>
-  <p:clrMapOvr>
-    <a:masterClrMapping/>
-  </p:clrMapOvr>
-</p:sld>
-</file>
-
-<file path=ppt/slides/slide18.xml><?xml version="1.0" encoding="utf-8"?>
-<p:sld xmlns:a="http://schemas.openxmlformats.org/drawingml/2006/main" xmlns:r="http://schemas.openxmlformats.org/officeDocument/2006/relationships" xmlns:p="http://schemas.openxmlformats.org/presentationml/2006/main">
-  <p:cSld>
-    <p:spTree>
-      <p:nvGrpSpPr>
-        <p:cNvPr id="1" name=""/>
-        <p:cNvGrpSpPr/>
-        <p:nvPr/>
-      </p:nvGrpSpPr>
-      <p:grpSpPr>
-        <a:xfrm>
-          <a:off x="0" y="0"/>
-          <a:ext cx="0" cy="0"/>
-          <a:chOff x="0" y="0"/>
-          <a:chExt cx="0" cy="0"/>
-        </a:xfrm>
-      </p:grpSpPr>
-      <p:pic>
-        <p:nvPicPr>
-          <p:cNvPr id="5" name="Picture 4" descr="A white and red square with blue squares&#10;&#10;Description automatically generated">
-            <a:extLst>
-              <a:ext uri="{FF2B5EF4-FFF2-40B4-BE49-F238E27FC236}">
-                <a16:creationId xmlns:a16="http://schemas.microsoft.com/office/drawing/2014/main" id="{9EDED48C-2204-BA7C-B0E8-C85140023608}"/>
-              </a:ext>
-            </a:extLst>
-          </p:cNvPr>
-          <p:cNvPicPr>
-            <a:picLocks noChangeAspect="1"/>
-          </p:cNvPicPr>
-          <p:nvPr/>
-        </p:nvPicPr>
-        <p:blipFill rotWithShape="1">
-          <a:blip r:embed="rId2">
-            <a:extLst>
-              <a:ext uri="{28A0092B-C50C-407E-A947-70E740481C1C}">
-                <a14:useLocalDpi xmlns:a14="http://schemas.microsoft.com/office/drawing/2010/main" val="0"/>
-              </a:ext>
-            </a:extLst>
-          </a:blip>
-          <a:srcRect l="20531" r="20129"/>
-          <a:stretch/>
-        </p:blipFill>
-        <p:spPr>
-          <a:xfrm>
-            <a:off x="3088640" y="0"/>
-            <a:ext cx="6014720" cy="5992061"/>
-          </a:xfrm>
-          <a:prstGeom prst="rect">
-            <a:avLst/>
-          </a:prstGeom>
-        </p:spPr>
-      </p:pic>
-      <p:sp>
-        <p:nvSpPr>
-          <p:cNvPr id="6" name="TextBox 5">
-            <a:extLst>
-              <a:ext uri="{FF2B5EF4-FFF2-40B4-BE49-F238E27FC236}">
-                <a16:creationId xmlns:a16="http://schemas.microsoft.com/office/drawing/2014/main" id="{0AEFECE8-5DA0-8810-F920-D2232C4BBD56}"/>
-              </a:ext>
-            </a:extLst>
-          </p:cNvPr>
-          <p:cNvSpPr txBox="1"/>
-          <p:nvPr/>
-        </p:nvSpPr>
-        <p:spPr>
-          <a:xfrm>
-            <a:off x="3473936" y="5992061"/>
-            <a:ext cx="5244128" cy="369332"/>
-          </a:xfrm>
-          <a:prstGeom prst="rect">
-            <a:avLst/>
-          </a:prstGeom>
-          <a:noFill/>
-        </p:spPr>
-        <p:txBody>
-          <a:bodyPr wrap="none" rtlCol="0">
-            <a:spAutoFit/>
-          </a:bodyPr>
-          <a:lstStyle/>
-          <a:p>
-            <a:r>
-              <a:rPr lang="en-US" dirty="0"/>
-              <a:t>886 Proteins (</a:t>
-            </a:r>
-            <a:r>
-              <a:rPr lang="en-US" dirty="0" err="1"/>
-              <a:t>pNA</a:t>
-            </a:r>
-            <a:r>
-              <a:rPr lang="en-US" dirty="0"/>
-              <a:t> 0.9999), more than 99.99% missing</a:t>
-            </a:r>
-          </a:p>
-        </p:txBody>
-      </p:sp>
-    </p:spTree>
-    <p:extLst>
-      <p:ext uri="{BB962C8B-B14F-4D97-AF65-F5344CB8AC3E}">
-        <p14:creationId xmlns:p14="http://schemas.microsoft.com/office/powerpoint/2010/main" val="2891373190"/>
-      </p:ext>
-    </p:extLst>
-  </p:cSld>
-  <p:clrMapOvr>
-    <a:masterClrMapping/>
-  </p:clrMapOvr>
-</p:sld>
-</file>
-
-<file path=ppt/slides/slide19.xml><?xml version="1.0" encoding="utf-8"?>
-<p:sld xmlns:a="http://schemas.openxmlformats.org/drawingml/2006/main" xmlns:r="http://schemas.openxmlformats.org/officeDocument/2006/relationships" xmlns:p="http://schemas.openxmlformats.org/presentationml/2006/main">
-  <p:cSld>
-    <p:spTree>
-      <p:nvGrpSpPr>
-        <p:cNvPr id="1" name=""/>
-        <p:cNvGrpSpPr/>
-        <p:nvPr/>
-      </p:nvGrpSpPr>
-      <p:grpSpPr>
-        <a:xfrm>
-          <a:off x="0" y="0"/>
-          <a:ext cx="0" cy="0"/>
-          <a:chOff x="0" y="0"/>
-          <a:chExt cx="0" cy="0"/>
-        </a:xfrm>
-      </p:grpSpPr>
-      <p:pic>
-        <p:nvPicPr>
-          <p:cNvPr id="5" name="Picture 4" descr="A graph with different colored bars&#10;&#10;Description automatically generated">
-            <a:extLst>
-              <a:ext uri="{FF2B5EF4-FFF2-40B4-BE49-F238E27FC236}">
-                <a16:creationId xmlns:a16="http://schemas.microsoft.com/office/drawing/2014/main" id="{937DF683-8B6C-6C36-8F9D-0BCF8204F20C}"/>
-              </a:ext>
-            </a:extLst>
-          </p:cNvPr>
-          <p:cNvPicPr>
-            <a:picLocks noChangeAspect="1"/>
-          </p:cNvPicPr>
-          <p:nvPr/>
-        </p:nvPicPr>
-        <p:blipFill>
-          <a:blip r:embed="rId2">
-            <a:extLst>
-              <a:ext uri="{28A0092B-C50C-407E-A947-70E740481C1C}">
-                <a14:useLocalDpi xmlns:a14="http://schemas.microsoft.com/office/drawing/2010/main" val="0"/>
-              </a:ext>
-            </a:extLst>
-          </a:blip>
-          <a:stretch>
-            <a:fillRect/>
-          </a:stretch>
-        </p:blipFill>
-        <p:spPr>
-          <a:xfrm>
-            <a:off x="1" y="0"/>
-            <a:ext cx="5791200" cy="3429000"/>
-          </a:xfrm>
-          <a:prstGeom prst="rect">
-            <a:avLst/>
-          </a:prstGeom>
-        </p:spPr>
-      </p:pic>
-      <p:sp>
-        <p:nvSpPr>
-          <p:cNvPr id="6" name="TextBox 5">
-            <a:extLst>
-              <a:ext uri="{FF2B5EF4-FFF2-40B4-BE49-F238E27FC236}">
-                <a16:creationId xmlns:a16="http://schemas.microsoft.com/office/drawing/2014/main" id="{2E8A32EC-1071-CE30-63B8-BFE0B681E6C6}"/>
-              </a:ext>
-            </a:extLst>
-          </p:cNvPr>
-          <p:cNvSpPr txBox="1"/>
-          <p:nvPr/>
-        </p:nvSpPr>
-        <p:spPr>
-          <a:xfrm>
-            <a:off x="3321537" y="3429000"/>
-            <a:ext cx="5244128" cy="369332"/>
-          </a:xfrm>
-          <a:prstGeom prst="rect">
-            <a:avLst/>
-          </a:prstGeom>
-          <a:noFill/>
-        </p:spPr>
-        <p:txBody>
-          <a:bodyPr wrap="none" rtlCol="0">
-            <a:spAutoFit/>
-          </a:bodyPr>
-          <a:lstStyle/>
-          <a:p>
-            <a:r>
-              <a:rPr lang="en-US" dirty="0"/>
-              <a:t>886 Proteins (</a:t>
-            </a:r>
-            <a:r>
-              <a:rPr lang="en-US" dirty="0" err="1"/>
-              <a:t>pNA</a:t>
-            </a:r>
-            <a:r>
-              <a:rPr lang="en-US" dirty="0"/>
-              <a:t> 0.9999), more than 99.99% missing</a:t>
-            </a:r>
-          </a:p>
-        </p:txBody>
-      </p:sp>
-      <p:pic>
-        <p:nvPicPr>
-          <p:cNvPr id="8" name="Picture 7" descr="A graph with different colored squares&#10;&#10;Description automatically generated">
-            <a:extLst>
-              <a:ext uri="{FF2B5EF4-FFF2-40B4-BE49-F238E27FC236}">
-                <a16:creationId xmlns:a16="http://schemas.microsoft.com/office/drawing/2014/main" id="{A31CD591-D4F3-4E0E-457E-E6563B5B9093}"/>
-              </a:ext>
-            </a:extLst>
-          </p:cNvPr>
-          <p:cNvPicPr>
-            <a:picLocks noChangeAspect="1"/>
-          </p:cNvPicPr>
-          <p:nvPr/>
-        </p:nvPicPr>
-        <p:blipFill>
-          <a:blip r:embed="rId3">
-            <a:extLst>
-              <a:ext uri="{28A0092B-C50C-407E-A947-70E740481C1C}">
-                <a14:useLocalDpi xmlns:a14="http://schemas.microsoft.com/office/drawing/2010/main" val="0"/>
-              </a:ext>
-            </a:extLst>
-          </a:blip>
-          <a:stretch>
-            <a:fillRect/>
-          </a:stretch>
-        </p:blipFill>
-        <p:spPr>
-          <a:xfrm>
-            <a:off x="6096000" y="-1"/>
-            <a:ext cx="5791201" cy="3429001"/>
-          </a:xfrm>
-          <a:prstGeom prst="rect">
-            <a:avLst/>
-          </a:prstGeom>
-        </p:spPr>
-      </p:pic>
-    </p:spTree>
-    <p:extLst>
-      <p:ext uri="{BB962C8B-B14F-4D97-AF65-F5344CB8AC3E}">
-        <p14:creationId xmlns:p14="http://schemas.microsoft.com/office/powerpoint/2010/main" val="1178274261"/>
+        <p14:creationId xmlns:p14="http://schemas.microsoft.com/office/powerpoint/2010/main" val="2072573219"/>
       </p:ext>
     </p:extLst>
   </p:cSld>
@@ -4529,12 +3656,47 @@
           <a:chExt cx="0" cy="0"/>
         </a:xfrm>
       </p:grpSpPr>
+      <p:sp>
+        <p:nvSpPr>
+          <p:cNvPr id="6" name="TextBox 5">
+            <a:extLst>
+              <a:ext uri="{FF2B5EF4-FFF2-40B4-BE49-F238E27FC236}">
+                <a16:creationId xmlns:a16="http://schemas.microsoft.com/office/drawing/2014/main" id="{EABA276E-9043-55F4-C825-147BABD957F8}"/>
+              </a:ext>
+            </a:extLst>
+          </p:cNvPr>
+          <p:cNvSpPr txBox="1"/>
+          <p:nvPr/>
+        </p:nvSpPr>
+        <p:spPr>
+          <a:xfrm>
+            <a:off x="10424593" y="6497850"/>
+            <a:ext cx="1767407" cy="369332"/>
+          </a:xfrm>
+          <a:prstGeom prst="rect">
+            <a:avLst/>
+          </a:prstGeom>
+          <a:noFill/>
+        </p:spPr>
+        <p:txBody>
+          <a:bodyPr wrap="square" rtlCol="0">
+            <a:spAutoFit/>
+          </a:bodyPr>
+          <a:lstStyle/>
+          <a:p>
+            <a:r>
+              <a:rPr lang="en-US" dirty="0"/>
+              <a:t>na.rm corrected!</a:t>
+            </a:r>
+          </a:p>
+        </p:txBody>
+      </p:sp>
       <p:pic>
         <p:nvPicPr>
-          <p:cNvPr id="5" name="Picture 4" descr="A graph showing a number of objects&#10;&#10;Description automatically generated">
-            <a:extLst>
-              <a:ext uri="{FF2B5EF4-FFF2-40B4-BE49-F238E27FC236}">
-                <a16:creationId xmlns:a16="http://schemas.microsoft.com/office/drawing/2014/main" id="{852DB4B6-C564-5465-999E-CEB6E0C8B3C3}"/>
+          <p:cNvPr id="3" name="Picture 2" descr="A line graph with rhombuses&#10;&#10;Description automatically generated">
+            <a:extLst>
+              <a:ext uri="{FF2B5EF4-FFF2-40B4-BE49-F238E27FC236}">
+                <a16:creationId xmlns:a16="http://schemas.microsoft.com/office/drawing/2014/main" id="{C23C070F-22A1-DED3-90D1-522D5348E8C6}"/>
               </a:ext>
             </a:extLst>
           </p:cNvPr>
@@ -4557,435 +3719,8 @@
         </p:blipFill>
         <p:spPr>
           <a:xfrm>
-            <a:off x="1032756" y="107849"/>
-            <a:ext cx="10126488" cy="5992061"/>
-          </a:xfrm>
-          <a:prstGeom prst="rect">
-            <a:avLst/>
-          </a:prstGeom>
-        </p:spPr>
-      </p:pic>
-      <p:sp>
-        <p:nvSpPr>
-          <p:cNvPr id="6" name="TextBox 5">
-            <a:extLst>
-              <a:ext uri="{FF2B5EF4-FFF2-40B4-BE49-F238E27FC236}">
-                <a16:creationId xmlns:a16="http://schemas.microsoft.com/office/drawing/2014/main" id="{EABA276E-9043-55F4-C825-147BABD957F8}"/>
-              </a:ext>
-            </a:extLst>
-          </p:cNvPr>
-          <p:cNvSpPr txBox="1"/>
-          <p:nvPr/>
-        </p:nvSpPr>
-        <p:spPr>
-          <a:xfrm>
-            <a:off x="2900445" y="6099910"/>
-            <a:ext cx="6391109" cy="369332"/>
-          </a:xfrm>
-          <a:prstGeom prst="rect">
-            <a:avLst/>
-          </a:prstGeom>
-          <a:noFill/>
-        </p:spPr>
-        <p:txBody>
-          <a:bodyPr wrap="none" rtlCol="0">
-            <a:spAutoFit/>
-          </a:bodyPr>
-          <a:lstStyle/>
-          <a:p>
-            <a:r>
-              <a:rPr lang="en-US" dirty="0"/>
-              <a:t>More Missing Values </a:t>
-            </a:r>
-            <a:r>
-              <a:rPr lang="en-US" dirty="0">
-                <a:sym typeface="Wingdings" panose="05000000000000000000" pitchFamily="2" charset="2"/>
-              </a:rPr>
-              <a:t></a:t>
-            </a:r>
-            <a:r>
-              <a:rPr lang="en-US" dirty="0"/>
-              <a:t> Better Correlation Coefficients Observed?</a:t>
-            </a:r>
-          </a:p>
-        </p:txBody>
-      </p:sp>
-    </p:spTree>
-    <p:extLst>
-      <p:ext uri="{BB962C8B-B14F-4D97-AF65-F5344CB8AC3E}">
-        <p14:creationId xmlns:p14="http://schemas.microsoft.com/office/powerpoint/2010/main" val="2261253990"/>
-      </p:ext>
-    </p:extLst>
-  </p:cSld>
-  <p:clrMapOvr>
-    <a:masterClrMapping/>
-  </p:clrMapOvr>
-</p:sld>
-</file>
-
-<file path=ppt/slides/slide20.xml><?xml version="1.0" encoding="utf-8"?>
-<p:sld xmlns:a="http://schemas.openxmlformats.org/drawingml/2006/main" xmlns:r="http://schemas.openxmlformats.org/officeDocument/2006/relationships" xmlns:p="http://schemas.openxmlformats.org/presentationml/2006/main">
-  <p:cSld>
-    <p:spTree>
-      <p:nvGrpSpPr>
-        <p:cNvPr id="1" name=""/>
-        <p:cNvGrpSpPr/>
-        <p:nvPr/>
-      </p:nvGrpSpPr>
-      <p:grpSpPr>
-        <a:xfrm>
-          <a:off x="0" y="0"/>
-          <a:ext cx="0" cy="0"/>
-          <a:chOff x="0" y="0"/>
-          <a:chExt cx="0" cy="0"/>
-        </a:xfrm>
-      </p:grpSpPr>
-      <p:pic>
-        <p:nvPicPr>
-          <p:cNvPr id="4" name="Picture 3" descr="A white and red square with squares&#10;&#10;Description automatically generated with medium confidence">
-            <a:extLst>
-              <a:ext uri="{FF2B5EF4-FFF2-40B4-BE49-F238E27FC236}">
-                <a16:creationId xmlns:a16="http://schemas.microsoft.com/office/drawing/2014/main" id="{5DE3105B-A7A3-4815-3113-C44BDEFD29F3}"/>
-              </a:ext>
-            </a:extLst>
-          </p:cNvPr>
-          <p:cNvPicPr>
-            <a:picLocks noChangeAspect="1"/>
-          </p:cNvPicPr>
-          <p:nvPr/>
-        </p:nvPicPr>
-        <p:blipFill rotWithShape="1">
-          <a:blip r:embed="rId2">
-            <a:extLst>
-              <a:ext uri="{28A0092B-C50C-407E-A947-70E740481C1C}">
-                <a14:useLocalDpi xmlns:a14="http://schemas.microsoft.com/office/drawing/2010/main" val="0"/>
-              </a:ext>
-            </a:extLst>
-          </a:blip>
-          <a:srcRect l="20631" r="20430"/>
-          <a:stretch/>
-        </p:blipFill>
-        <p:spPr>
-          <a:xfrm>
-            <a:off x="3108960" y="0"/>
-            <a:ext cx="5974080" cy="5992061"/>
-          </a:xfrm>
-          <a:prstGeom prst="rect">
-            <a:avLst/>
-          </a:prstGeom>
-        </p:spPr>
-      </p:pic>
-      <p:sp>
-        <p:nvSpPr>
-          <p:cNvPr id="5" name="TextBox 4">
-            <a:extLst>
-              <a:ext uri="{FF2B5EF4-FFF2-40B4-BE49-F238E27FC236}">
-                <a16:creationId xmlns:a16="http://schemas.microsoft.com/office/drawing/2014/main" id="{D4398D7B-D7D6-DBBD-B43F-1B94F64150B8}"/>
-              </a:ext>
-            </a:extLst>
-          </p:cNvPr>
-          <p:cNvSpPr txBox="1"/>
-          <p:nvPr/>
-        </p:nvSpPr>
-        <p:spPr>
-          <a:xfrm>
-            <a:off x="3666392" y="5992061"/>
-            <a:ext cx="4859215" cy="369332"/>
-          </a:xfrm>
-          <a:prstGeom prst="rect">
-            <a:avLst/>
-          </a:prstGeom>
-          <a:noFill/>
-        </p:spPr>
-        <p:txBody>
-          <a:bodyPr wrap="none" rtlCol="0">
-            <a:spAutoFit/>
-          </a:bodyPr>
-          <a:lstStyle/>
-          <a:p>
-            <a:r>
-              <a:rPr lang="en-US" dirty="0"/>
-              <a:t>851 Proteins (</a:t>
-            </a:r>
-            <a:r>
-              <a:rPr lang="en-US" dirty="0" err="1"/>
-              <a:t>pNA</a:t>
-            </a:r>
-            <a:r>
-              <a:rPr lang="en-US" dirty="0"/>
-              <a:t> 0.965), less than 96.5% missing</a:t>
-            </a:r>
-          </a:p>
-        </p:txBody>
-      </p:sp>
-    </p:spTree>
-    <p:extLst>
-      <p:ext uri="{BB962C8B-B14F-4D97-AF65-F5344CB8AC3E}">
-        <p14:creationId xmlns:p14="http://schemas.microsoft.com/office/powerpoint/2010/main" val="879554328"/>
-      </p:ext>
-    </p:extLst>
-  </p:cSld>
-  <p:clrMapOvr>
-    <a:masterClrMapping/>
-  </p:clrMapOvr>
-</p:sld>
-</file>
-
-<file path=ppt/slides/slide21.xml><?xml version="1.0" encoding="utf-8"?>
-<p:sld xmlns:a="http://schemas.openxmlformats.org/drawingml/2006/main" xmlns:r="http://schemas.openxmlformats.org/officeDocument/2006/relationships" xmlns:p="http://schemas.openxmlformats.org/presentationml/2006/main">
-  <p:cSld>
-    <p:spTree>
-      <p:nvGrpSpPr>
-        <p:cNvPr id="1" name=""/>
-        <p:cNvGrpSpPr/>
-        <p:nvPr/>
-      </p:nvGrpSpPr>
-      <p:grpSpPr>
-        <a:xfrm>
-          <a:off x="0" y="0"/>
-          <a:ext cx="0" cy="0"/>
-          <a:chOff x="0" y="0"/>
-          <a:chExt cx="0" cy="0"/>
-        </a:xfrm>
-      </p:grpSpPr>
-      <p:sp>
-        <p:nvSpPr>
-          <p:cNvPr id="4" name="Title 1">
-            <a:extLst>
-              <a:ext uri="{FF2B5EF4-FFF2-40B4-BE49-F238E27FC236}">
-                <a16:creationId xmlns:a16="http://schemas.microsoft.com/office/drawing/2014/main" id="{173187A2-48A0-2833-462D-E199D9318698}"/>
-              </a:ext>
-            </a:extLst>
-          </p:cNvPr>
-          <p:cNvSpPr>
-            <a:spLocks noGrp="1"/>
-          </p:cNvSpPr>
-          <p:nvPr>
-            <p:ph type="title"/>
-          </p:nvPr>
-        </p:nvSpPr>
-        <p:spPr>
-          <a:xfrm>
-            <a:off x="2861310" y="2766218"/>
-            <a:ext cx="6469380" cy="1325563"/>
-          </a:xfrm>
-        </p:spPr>
-        <p:txBody>
-          <a:bodyPr/>
-          <a:lstStyle/>
-          <a:p>
-            <a:r>
-              <a:rPr lang="en-US" dirty="0">
-                <a:solidFill>
-                  <a:srgbClr val="FF0000"/>
-                </a:solidFill>
-              </a:rPr>
-              <a:t>No Significant Enrichment?</a:t>
-            </a:r>
-          </a:p>
-        </p:txBody>
-      </p:sp>
-      <p:sp>
-        <p:nvSpPr>
-          <p:cNvPr id="5" name="TextBox 4">
-            <a:extLst>
-              <a:ext uri="{FF2B5EF4-FFF2-40B4-BE49-F238E27FC236}">
-                <a16:creationId xmlns:a16="http://schemas.microsoft.com/office/drawing/2014/main" id="{BD264663-2137-4E82-7B19-C34527D72347}"/>
-              </a:ext>
-            </a:extLst>
-          </p:cNvPr>
-          <p:cNvSpPr txBox="1"/>
-          <p:nvPr/>
-        </p:nvSpPr>
-        <p:spPr>
-          <a:xfrm>
-            <a:off x="3666392" y="3907115"/>
-            <a:ext cx="4859215" cy="369332"/>
-          </a:xfrm>
-          <a:prstGeom prst="rect">
-            <a:avLst/>
-          </a:prstGeom>
-          <a:noFill/>
-        </p:spPr>
-        <p:txBody>
-          <a:bodyPr wrap="none" rtlCol="0">
-            <a:spAutoFit/>
-          </a:bodyPr>
-          <a:lstStyle/>
-          <a:p>
-            <a:r>
-              <a:rPr lang="en-US" dirty="0"/>
-              <a:t>851 Proteins (</a:t>
-            </a:r>
-            <a:r>
-              <a:rPr lang="en-US" dirty="0" err="1"/>
-              <a:t>pNA</a:t>
-            </a:r>
-            <a:r>
-              <a:rPr lang="en-US" dirty="0"/>
-              <a:t> 0.965), less than 96.5% missing</a:t>
-            </a:r>
-          </a:p>
-        </p:txBody>
-      </p:sp>
-    </p:spTree>
-    <p:extLst>
-      <p:ext uri="{BB962C8B-B14F-4D97-AF65-F5344CB8AC3E}">
-        <p14:creationId xmlns:p14="http://schemas.microsoft.com/office/powerpoint/2010/main" val="431996943"/>
-      </p:ext>
-    </p:extLst>
-  </p:cSld>
-  <p:clrMapOvr>
-    <a:masterClrMapping/>
-  </p:clrMapOvr>
-</p:sld>
-</file>
-
-<file path=ppt/slides/slide22.xml><?xml version="1.0" encoding="utf-8"?>
-<p:sld xmlns:a="http://schemas.openxmlformats.org/drawingml/2006/main" xmlns:r="http://schemas.openxmlformats.org/officeDocument/2006/relationships" xmlns:p="http://schemas.openxmlformats.org/presentationml/2006/main">
-  <p:cSld>
-    <p:spTree>
-      <p:nvGrpSpPr>
-        <p:cNvPr id="1" name=""/>
-        <p:cNvGrpSpPr/>
-        <p:nvPr/>
-      </p:nvGrpSpPr>
-      <p:grpSpPr>
-        <a:xfrm>
-          <a:off x="0" y="0"/>
-          <a:ext cx="0" cy="0"/>
-          <a:chOff x="0" y="0"/>
-          <a:chExt cx="0" cy="0"/>
-        </a:xfrm>
-      </p:grpSpPr>
-      <p:sp>
-        <p:nvSpPr>
-          <p:cNvPr id="2" name="Title 1">
-            <a:extLst>
-              <a:ext uri="{FF2B5EF4-FFF2-40B4-BE49-F238E27FC236}">
-                <a16:creationId xmlns:a16="http://schemas.microsoft.com/office/drawing/2014/main" id="{08B34D82-F345-24A6-C389-7E293FBAA6E1}"/>
-              </a:ext>
-            </a:extLst>
-          </p:cNvPr>
-          <p:cNvSpPr>
-            <a:spLocks noGrp="1"/>
-          </p:cNvSpPr>
-          <p:nvPr>
-            <p:ph type="title"/>
-          </p:nvPr>
-        </p:nvSpPr>
-        <p:spPr>
-          <a:xfrm>
-            <a:off x="4406900" y="2766218"/>
-            <a:ext cx="3378200" cy="1325563"/>
-          </a:xfrm>
-        </p:spPr>
-        <p:txBody>
-          <a:bodyPr/>
-          <a:lstStyle/>
-          <a:p>
-            <a:r>
-              <a:rPr lang="en-US" dirty="0"/>
-              <a:t>WGCNA HVGs</a:t>
-            </a:r>
-          </a:p>
-        </p:txBody>
-      </p:sp>
-    </p:spTree>
-    <p:extLst>
-      <p:ext uri="{BB962C8B-B14F-4D97-AF65-F5344CB8AC3E}">
-        <p14:creationId xmlns:p14="http://schemas.microsoft.com/office/powerpoint/2010/main" val="509626235"/>
-      </p:ext>
-    </p:extLst>
-  </p:cSld>
-  <p:clrMapOvr>
-    <a:masterClrMapping/>
-  </p:clrMapOvr>
-</p:sld>
-</file>
-
-<file path=ppt/slides/slide23.xml><?xml version="1.0" encoding="utf-8"?>
-<p:sld xmlns:a="http://schemas.openxmlformats.org/drawingml/2006/main" xmlns:r="http://schemas.openxmlformats.org/officeDocument/2006/relationships" xmlns:p="http://schemas.openxmlformats.org/presentationml/2006/main">
-  <p:cSld>
-    <p:spTree>
-      <p:nvGrpSpPr>
-        <p:cNvPr id="1" name=""/>
-        <p:cNvGrpSpPr/>
-        <p:nvPr/>
-      </p:nvGrpSpPr>
-      <p:grpSpPr>
-        <a:xfrm>
-          <a:off x="0" y="0"/>
-          <a:ext cx="0" cy="0"/>
-          <a:chOff x="0" y="0"/>
-          <a:chExt cx="0" cy="0"/>
-        </a:xfrm>
-      </p:grpSpPr>
-      <p:sp>
-        <p:nvSpPr>
-          <p:cNvPr id="6" name="TextBox 5">
-            <a:extLst>
-              <a:ext uri="{FF2B5EF4-FFF2-40B4-BE49-F238E27FC236}">
-                <a16:creationId xmlns:a16="http://schemas.microsoft.com/office/drawing/2014/main" id="{0B85D3BA-BB90-647C-47C5-F5A22F959787}"/>
-              </a:ext>
-            </a:extLst>
-          </p:cNvPr>
-          <p:cNvSpPr txBox="1"/>
-          <p:nvPr/>
-        </p:nvSpPr>
-        <p:spPr>
-          <a:xfrm>
-            <a:off x="4415572" y="6199957"/>
-            <a:ext cx="3360856" cy="369332"/>
-          </a:xfrm>
-          <a:prstGeom prst="rect">
-            <a:avLst/>
-          </a:prstGeom>
-          <a:noFill/>
-        </p:spPr>
-        <p:txBody>
-          <a:bodyPr wrap="none" rtlCol="0">
-            <a:spAutoFit/>
-          </a:bodyPr>
-          <a:lstStyle/>
-          <a:p>
-            <a:r>
-              <a:rPr lang="en-US" dirty="0"/>
-              <a:t>1521 Proteins, most variable 50% </a:t>
-            </a:r>
-          </a:p>
-        </p:txBody>
-      </p:sp>
-      <p:pic>
-        <p:nvPicPr>
-          <p:cNvPr id="7" name="Picture 6" descr="A graph of a cluster&#10;&#10;Description automatically generated">
-            <a:extLst>
-              <a:ext uri="{FF2B5EF4-FFF2-40B4-BE49-F238E27FC236}">
-                <a16:creationId xmlns:a16="http://schemas.microsoft.com/office/drawing/2014/main" id="{02F4AFFA-3582-B0B3-8EB4-55208C43F736}"/>
-              </a:ext>
-            </a:extLst>
-          </p:cNvPr>
-          <p:cNvPicPr>
-            <a:picLocks noChangeAspect="1"/>
-          </p:cNvPicPr>
-          <p:nvPr/>
-        </p:nvPicPr>
-        <p:blipFill>
-          <a:blip r:embed="rId2">
-            <a:extLst>
-              <a:ext uri="{28A0092B-C50C-407E-A947-70E740481C1C}">
-                <a14:useLocalDpi xmlns:a14="http://schemas.microsoft.com/office/drawing/2010/main" val="0"/>
-              </a:ext>
-            </a:extLst>
-          </a:blip>
-          <a:stretch>
-            <a:fillRect/>
-          </a:stretch>
-        </p:blipFill>
-        <p:spPr>
-          <a:xfrm>
-            <a:off x="1007078" y="180459"/>
-            <a:ext cx="10177844" cy="6019498"/>
+            <a:off x="1999675" y="0"/>
+            <a:ext cx="8192643" cy="6449325"/>
           </a:xfrm>
           <a:prstGeom prst="rect">
             <a:avLst/>
@@ -4995,646 +3730,7 @@
     </p:spTree>
     <p:extLst>
       <p:ext uri="{BB962C8B-B14F-4D97-AF65-F5344CB8AC3E}">
-        <p14:creationId xmlns:p14="http://schemas.microsoft.com/office/powerpoint/2010/main" val="2026050102"/>
-      </p:ext>
-    </p:extLst>
-  </p:cSld>
-  <p:clrMapOvr>
-    <a:masterClrMapping/>
-  </p:clrMapOvr>
-</p:sld>
-</file>
-
-<file path=ppt/slides/slide24.xml><?xml version="1.0" encoding="utf-8"?>
-<p:sld xmlns:a="http://schemas.openxmlformats.org/drawingml/2006/main" xmlns:r="http://schemas.openxmlformats.org/officeDocument/2006/relationships" xmlns:p="http://schemas.openxmlformats.org/presentationml/2006/main">
-  <p:cSld>
-    <p:spTree>
-      <p:nvGrpSpPr>
-        <p:cNvPr id="1" name=""/>
-        <p:cNvGrpSpPr/>
-        <p:nvPr/>
-      </p:nvGrpSpPr>
-      <p:grpSpPr>
-        <a:xfrm>
-          <a:off x="0" y="0"/>
-          <a:ext cx="0" cy="0"/>
-          <a:chOff x="0" y="0"/>
-          <a:chExt cx="0" cy="0"/>
-        </a:xfrm>
-      </p:grpSpPr>
-      <p:pic>
-        <p:nvPicPr>
-          <p:cNvPr id="5" name="Picture 4" descr="A graph with red and blue bars&#10;&#10;Description automatically generated">
-            <a:extLst>
-              <a:ext uri="{FF2B5EF4-FFF2-40B4-BE49-F238E27FC236}">
-                <a16:creationId xmlns:a16="http://schemas.microsoft.com/office/drawing/2014/main" id="{5D6876F2-D54F-54FE-D5FA-5776DD522BA4}"/>
-              </a:ext>
-            </a:extLst>
-          </p:cNvPr>
-          <p:cNvPicPr>
-            <a:picLocks noChangeAspect="1"/>
-          </p:cNvPicPr>
-          <p:nvPr/>
-        </p:nvPicPr>
-        <p:blipFill>
-          <a:blip r:embed="rId2">
-            <a:extLst>
-              <a:ext uri="{28A0092B-C50C-407E-A947-70E740481C1C}">
-                <a14:useLocalDpi xmlns:a14="http://schemas.microsoft.com/office/drawing/2010/main" val="0"/>
-              </a:ext>
-            </a:extLst>
-          </a:blip>
-          <a:stretch>
-            <a:fillRect/>
-          </a:stretch>
-        </p:blipFill>
-        <p:spPr>
-          <a:xfrm>
-            <a:off x="0" y="0"/>
-            <a:ext cx="6096000" cy="3603744"/>
-          </a:xfrm>
-          <a:prstGeom prst="rect">
-            <a:avLst/>
-          </a:prstGeom>
-        </p:spPr>
-      </p:pic>
-      <p:pic>
-        <p:nvPicPr>
-          <p:cNvPr id="7" name="Picture 6" descr="A graph with different colored bars&#10;&#10;Description automatically generated">
-            <a:extLst>
-              <a:ext uri="{FF2B5EF4-FFF2-40B4-BE49-F238E27FC236}">
-                <a16:creationId xmlns:a16="http://schemas.microsoft.com/office/drawing/2014/main" id="{E6CB6467-B8E1-22F2-6BBD-08B1E4F8245D}"/>
-              </a:ext>
-            </a:extLst>
-          </p:cNvPr>
-          <p:cNvPicPr>
-            <a:picLocks noChangeAspect="1"/>
-          </p:cNvPicPr>
-          <p:nvPr/>
-        </p:nvPicPr>
-        <p:blipFill>
-          <a:blip r:embed="rId3">
-            <a:extLst>
-              <a:ext uri="{28A0092B-C50C-407E-A947-70E740481C1C}">
-                <a14:useLocalDpi xmlns:a14="http://schemas.microsoft.com/office/drawing/2010/main" val="0"/>
-              </a:ext>
-            </a:extLst>
-          </a:blip>
-          <a:stretch>
-            <a:fillRect/>
-          </a:stretch>
-        </p:blipFill>
-        <p:spPr>
-          <a:xfrm>
-            <a:off x="6096000" y="0"/>
-            <a:ext cx="6096000" cy="3603744"/>
-          </a:xfrm>
-          <a:prstGeom prst="rect">
-            <a:avLst/>
-          </a:prstGeom>
-        </p:spPr>
-      </p:pic>
-      <p:sp>
-        <p:nvSpPr>
-          <p:cNvPr id="8" name="TextBox 7">
-            <a:extLst>
-              <a:ext uri="{FF2B5EF4-FFF2-40B4-BE49-F238E27FC236}">
-                <a16:creationId xmlns:a16="http://schemas.microsoft.com/office/drawing/2014/main" id="{F9208B40-286F-089E-DC5B-1277A9324734}"/>
-              </a:ext>
-            </a:extLst>
-          </p:cNvPr>
-          <p:cNvSpPr txBox="1"/>
-          <p:nvPr/>
-        </p:nvSpPr>
-        <p:spPr>
-          <a:xfrm>
-            <a:off x="4415572" y="3603744"/>
-            <a:ext cx="3360856" cy="369332"/>
-          </a:xfrm>
-          <a:prstGeom prst="rect">
-            <a:avLst/>
-          </a:prstGeom>
-          <a:noFill/>
-        </p:spPr>
-        <p:txBody>
-          <a:bodyPr wrap="none" rtlCol="0">
-            <a:spAutoFit/>
-          </a:bodyPr>
-          <a:lstStyle/>
-          <a:p>
-            <a:r>
-              <a:rPr lang="en-US" dirty="0"/>
-              <a:t>1521 Proteins, most variable 50% </a:t>
-            </a:r>
-          </a:p>
-        </p:txBody>
-      </p:sp>
-    </p:spTree>
-    <p:extLst>
-      <p:ext uri="{BB962C8B-B14F-4D97-AF65-F5344CB8AC3E}">
-        <p14:creationId xmlns:p14="http://schemas.microsoft.com/office/powerpoint/2010/main" val="2506417421"/>
-      </p:ext>
-    </p:extLst>
-  </p:cSld>
-  <p:clrMapOvr>
-    <a:masterClrMapping/>
-  </p:clrMapOvr>
-</p:sld>
-</file>
-
-<file path=ppt/slides/slide25.xml><?xml version="1.0" encoding="utf-8"?>
-<p:sld xmlns:a="http://schemas.openxmlformats.org/drawingml/2006/main" xmlns:r="http://schemas.openxmlformats.org/officeDocument/2006/relationships" xmlns:p="http://schemas.openxmlformats.org/presentationml/2006/main">
-  <p:cSld>
-    <p:spTree>
-      <p:nvGrpSpPr>
-        <p:cNvPr id="1" name=""/>
-        <p:cNvGrpSpPr/>
-        <p:nvPr/>
-      </p:nvGrpSpPr>
-      <p:grpSpPr>
-        <a:xfrm>
-          <a:off x="0" y="0"/>
-          <a:ext cx="0" cy="0"/>
-          <a:chOff x="0" y="0"/>
-          <a:chExt cx="0" cy="0"/>
-        </a:xfrm>
-      </p:grpSpPr>
-      <p:pic>
-        <p:nvPicPr>
-          <p:cNvPr id="5" name="Picture 4" descr="A diagram of a cluster&#10;&#10;Description automatically generated">
-            <a:extLst>
-              <a:ext uri="{FF2B5EF4-FFF2-40B4-BE49-F238E27FC236}">
-                <a16:creationId xmlns:a16="http://schemas.microsoft.com/office/drawing/2014/main" id="{D8F42FA3-EA25-91F0-D409-987B6BC280E5}"/>
-              </a:ext>
-            </a:extLst>
-          </p:cNvPr>
-          <p:cNvPicPr>
-            <a:picLocks noChangeAspect="1"/>
-          </p:cNvPicPr>
-          <p:nvPr/>
-        </p:nvPicPr>
-        <p:blipFill>
-          <a:blip r:embed="rId2">
-            <a:extLst>
-              <a:ext uri="{28A0092B-C50C-407E-A947-70E740481C1C}">
-                <a14:useLocalDpi xmlns:a14="http://schemas.microsoft.com/office/drawing/2010/main" val="0"/>
-              </a:ext>
-            </a:extLst>
-          </a:blip>
-          <a:stretch>
-            <a:fillRect/>
-          </a:stretch>
-        </p:blipFill>
-        <p:spPr>
-          <a:xfrm>
-            <a:off x="1007078" y="0"/>
-            <a:ext cx="10177844" cy="6019498"/>
-          </a:xfrm>
-          <a:prstGeom prst="rect">
-            <a:avLst/>
-          </a:prstGeom>
-        </p:spPr>
-      </p:pic>
-      <p:sp>
-        <p:nvSpPr>
-          <p:cNvPr id="6" name="TextBox 5">
-            <a:extLst>
-              <a:ext uri="{FF2B5EF4-FFF2-40B4-BE49-F238E27FC236}">
-                <a16:creationId xmlns:a16="http://schemas.microsoft.com/office/drawing/2014/main" id="{C36DB781-BCE9-63AC-C412-AE5753BC99C9}"/>
-              </a:ext>
-            </a:extLst>
-          </p:cNvPr>
-          <p:cNvSpPr txBox="1"/>
-          <p:nvPr/>
-        </p:nvSpPr>
-        <p:spPr>
-          <a:xfrm>
-            <a:off x="4429197" y="5905952"/>
-            <a:ext cx="3333605" cy="369332"/>
-          </a:xfrm>
-          <a:prstGeom prst="rect">
-            <a:avLst/>
-          </a:prstGeom>
-          <a:noFill/>
-        </p:spPr>
-        <p:txBody>
-          <a:bodyPr wrap="none" rtlCol="0">
-            <a:spAutoFit/>
-          </a:bodyPr>
-          <a:lstStyle/>
-          <a:p>
-            <a:r>
-              <a:rPr lang="en-US" dirty="0"/>
-              <a:t>1521 Proteins, least variable 50% </a:t>
-            </a:r>
-          </a:p>
-        </p:txBody>
-      </p:sp>
-    </p:spTree>
-    <p:extLst>
-      <p:ext uri="{BB962C8B-B14F-4D97-AF65-F5344CB8AC3E}">
-        <p14:creationId xmlns:p14="http://schemas.microsoft.com/office/powerpoint/2010/main" val="162902123"/>
-      </p:ext>
-    </p:extLst>
-  </p:cSld>
-  <p:clrMapOvr>
-    <a:masterClrMapping/>
-  </p:clrMapOvr>
-</p:sld>
-</file>
-
-<file path=ppt/slides/slide26.xml><?xml version="1.0" encoding="utf-8"?>
-<p:sld xmlns:a="http://schemas.openxmlformats.org/drawingml/2006/main" xmlns:r="http://schemas.openxmlformats.org/officeDocument/2006/relationships" xmlns:p="http://schemas.openxmlformats.org/presentationml/2006/main">
-  <p:cSld>
-    <p:spTree>
-      <p:nvGrpSpPr>
-        <p:cNvPr id="1" name=""/>
-        <p:cNvGrpSpPr/>
-        <p:nvPr/>
-      </p:nvGrpSpPr>
-      <p:grpSpPr>
-        <a:xfrm>
-          <a:off x="0" y="0"/>
-          <a:ext cx="0" cy="0"/>
-          <a:chOff x="0" y="0"/>
-          <a:chExt cx="0" cy="0"/>
-        </a:xfrm>
-      </p:grpSpPr>
-      <p:pic>
-        <p:nvPicPr>
-          <p:cNvPr id="5" name="Picture 4" descr="A graph with different colored bars&#10;&#10;Description automatically generated">
-            <a:extLst>
-              <a:ext uri="{FF2B5EF4-FFF2-40B4-BE49-F238E27FC236}">
-                <a16:creationId xmlns:a16="http://schemas.microsoft.com/office/drawing/2014/main" id="{E5772224-8DD9-D538-D6E7-FD9934465BB3}"/>
-              </a:ext>
-            </a:extLst>
-          </p:cNvPr>
-          <p:cNvPicPr>
-            <a:picLocks noChangeAspect="1"/>
-          </p:cNvPicPr>
-          <p:nvPr/>
-        </p:nvPicPr>
-        <p:blipFill>
-          <a:blip r:embed="rId2">
-            <a:extLst>
-              <a:ext uri="{28A0092B-C50C-407E-A947-70E740481C1C}">
-                <a14:useLocalDpi xmlns:a14="http://schemas.microsoft.com/office/drawing/2010/main" val="0"/>
-              </a:ext>
-            </a:extLst>
-          </a:blip>
-          <a:stretch>
-            <a:fillRect/>
-          </a:stretch>
-        </p:blipFill>
-        <p:spPr>
-          <a:xfrm>
-            <a:off x="2344738" y="246531"/>
-            <a:ext cx="7502523" cy="4437229"/>
-          </a:xfrm>
-          <a:prstGeom prst="rect">
-            <a:avLst/>
-          </a:prstGeom>
-        </p:spPr>
-      </p:pic>
-      <p:sp>
-        <p:nvSpPr>
-          <p:cNvPr id="6" name="TextBox 5">
-            <a:extLst>
-              <a:ext uri="{FF2B5EF4-FFF2-40B4-BE49-F238E27FC236}">
-                <a16:creationId xmlns:a16="http://schemas.microsoft.com/office/drawing/2014/main" id="{EB2B1E81-F8FB-8C30-89AA-97230D63AF53}"/>
-              </a:ext>
-            </a:extLst>
-          </p:cNvPr>
-          <p:cNvSpPr txBox="1"/>
-          <p:nvPr/>
-        </p:nvSpPr>
-        <p:spPr>
-          <a:xfrm>
-            <a:off x="4429196" y="4788352"/>
-            <a:ext cx="3333605" cy="369332"/>
-          </a:xfrm>
-          <a:prstGeom prst="rect">
-            <a:avLst/>
-          </a:prstGeom>
-          <a:noFill/>
-        </p:spPr>
-        <p:txBody>
-          <a:bodyPr wrap="none" rtlCol="0">
-            <a:spAutoFit/>
-          </a:bodyPr>
-          <a:lstStyle/>
-          <a:p>
-            <a:r>
-              <a:rPr lang="en-US" dirty="0"/>
-              <a:t>1521 Proteins, least variable 50% </a:t>
-            </a:r>
-          </a:p>
-        </p:txBody>
-      </p:sp>
-    </p:spTree>
-    <p:extLst>
-      <p:ext uri="{BB962C8B-B14F-4D97-AF65-F5344CB8AC3E}">
-        <p14:creationId xmlns:p14="http://schemas.microsoft.com/office/powerpoint/2010/main" val="1160677699"/>
-      </p:ext>
-    </p:extLst>
-  </p:cSld>
-  <p:clrMapOvr>
-    <a:masterClrMapping/>
-  </p:clrMapOvr>
-</p:sld>
-</file>
-
-<file path=ppt/slides/slide27.xml><?xml version="1.0" encoding="utf-8"?>
-<p:sld xmlns:a="http://schemas.openxmlformats.org/drawingml/2006/main" xmlns:r="http://schemas.openxmlformats.org/officeDocument/2006/relationships" xmlns:p="http://schemas.openxmlformats.org/presentationml/2006/main">
-  <p:cSld>
-    <p:spTree>
-      <p:nvGrpSpPr>
-        <p:cNvPr id="1" name=""/>
-        <p:cNvGrpSpPr/>
-        <p:nvPr/>
-      </p:nvGrpSpPr>
-      <p:grpSpPr>
-        <a:xfrm>
-          <a:off x="0" y="0"/>
-          <a:ext cx="0" cy="0"/>
-          <a:chOff x="0" y="0"/>
-          <a:chExt cx="0" cy="0"/>
-        </a:xfrm>
-      </p:grpSpPr>
-      <p:sp>
-        <p:nvSpPr>
-          <p:cNvPr id="2" name="Title 1">
-            <a:extLst>
-              <a:ext uri="{FF2B5EF4-FFF2-40B4-BE49-F238E27FC236}">
-                <a16:creationId xmlns:a16="http://schemas.microsoft.com/office/drawing/2014/main" id="{B919FE8E-2103-0CAB-CB4D-4361E5ED6149}"/>
-              </a:ext>
-            </a:extLst>
-          </p:cNvPr>
-          <p:cNvSpPr>
-            <a:spLocks noGrp="1"/>
-          </p:cNvSpPr>
-          <p:nvPr>
-            <p:ph type="title"/>
-          </p:nvPr>
-        </p:nvSpPr>
-        <p:spPr>
-          <a:xfrm>
-            <a:off x="4762500" y="2766218"/>
-            <a:ext cx="2667000" cy="1325563"/>
-          </a:xfrm>
-        </p:spPr>
-        <p:txBody>
-          <a:bodyPr/>
-          <a:lstStyle/>
-          <a:p>
-            <a:r>
-              <a:rPr lang="en-US" dirty="0"/>
-              <a:t>CPM HVGs</a:t>
-            </a:r>
-          </a:p>
-        </p:txBody>
-      </p:sp>
-    </p:spTree>
-    <p:extLst>
-      <p:ext uri="{BB962C8B-B14F-4D97-AF65-F5344CB8AC3E}">
-        <p14:creationId xmlns:p14="http://schemas.microsoft.com/office/powerpoint/2010/main" val="2812022117"/>
-      </p:ext>
-    </p:extLst>
-  </p:cSld>
-  <p:clrMapOvr>
-    <a:masterClrMapping/>
-  </p:clrMapOvr>
-</p:sld>
-</file>
-
-<file path=ppt/slides/slide28.xml><?xml version="1.0" encoding="utf-8"?>
-<p:sld xmlns:a="http://schemas.openxmlformats.org/drawingml/2006/main" xmlns:r="http://schemas.openxmlformats.org/officeDocument/2006/relationships" xmlns:p="http://schemas.openxmlformats.org/presentationml/2006/main">
-  <p:cSld>
-    <p:spTree>
-      <p:nvGrpSpPr>
-        <p:cNvPr id="1" name=""/>
-        <p:cNvGrpSpPr/>
-        <p:nvPr/>
-      </p:nvGrpSpPr>
-      <p:grpSpPr>
-        <a:xfrm>
-          <a:off x="0" y="0"/>
-          <a:ext cx="0" cy="0"/>
-          <a:chOff x="0" y="0"/>
-          <a:chExt cx="0" cy="0"/>
-        </a:xfrm>
-      </p:grpSpPr>
-      <p:pic>
-        <p:nvPicPr>
-          <p:cNvPr id="5" name="Picture 4" descr="A white and blue grid&#10;&#10;Description automatically generated with medium confidence">
-            <a:extLst>
-              <a:ext uri="{FF2B5EF4-FFF2-40B4-BE49-F238E27FC236}">
-                <a16:creationId xmlns:a16="http://schemas.microsoft.com/office/drawing/2014/main" id="{9471D687-ABED-159A-20EF-E09A8847C692}"/>
-              </a:ext>
-            </a:extLst>
-          </p:cNvPr>
-          <p:cNvPicPr>
-            <a:picLocks noChangeAspect="1"/>
-          </p:cNvPicPr>
-          <p:nvPr/>
-        </p:nvPicPr>
-        <p:blipFill rotWithShape="1">
-          <a:blip r:embed="rId2">
-            <a:extLst>
-              <a:ext uri="{28A0092B-C50C-407E-A947-70E740481C1C}">
-                <a14:useLocalDpi xmlns:a14="http://schemas.microsoft.com/office/drawing/2010/main" val="0"/>
-              </a:ext>
-            </a:extLst>
-          </a:blip>
-          <a:srcRect l="20230" r="20430"/>
-          <a:stretch/>
-        </p:blipFill>
-        <p:spPr>
-          <a:xfrm>
-            <a:off x="3159761" y="0"/>
-            <a:ext cx="6014720" cy="5992061"/>
-          </a:xfrm>
-          <a:prstGeom prst="rect">
-            <a:avLst/>
-          </a:prstGeom>
-        </p:spPr>
-      </p:pic>
-      <p:sp>
-        <p:nvSpPr>
-          <p:cNvPr id="6" name="TextBox 5">
-            <a:extLst>
-              <a:ext uri="{FF2B5EF4-FFF2-40B4-BE49-F238E27FC236}">
-                <a16:creationId xmlns:a16="http://schemas.microsoft.com/office/drawing/2014/main" id="{0B63190C-7918-7980-98A5-D52DEBB9B4BE}"/>
-              </a:ext>
-            </a:extLst>
-          </p:cNvPr>
-          <p:cNvSpPr txBox="1"/>
-          <p:nvPr/>
-        </p:nvSpPr>
-        <p:spPr>
-          <a:xfrm>
-            <a:off x="4340421" y="5992061"/>
-            <a:ext cx="3307957" cy="369332"/>
-          </a:xfrm>
-          <a:prstGeom prst="rect">
-            <a:avLst/>
-          </a:prstGeom>
-          <a:noFill/>
-        </p:spPr>
-        <p:txBody>
-          <a:bodyPr wrap="none" rtlCol="0">
-            <a:spAutoFit/>
-          </a:bodyPr>
-          <a:lstStyle/>
-          <a:p>
-            <a:r>
-              <a:rPr lang="en-US" dirty="0"/>
-              <a:t>1521 Proteins, most variable 50%</a:t>
-            </a:r>
-          </a:p>
-        </p:txBody>
-      </p:sp>
-    </p:spTree>
-    <p:extLst>
-      <p:ext uri="{BB962C8B-B14F-4D97-AF65-F5344CB8AC3E}">
-        <p14:creationId xmlns:p14="http://schemas.microsoft.com/office/powerpoint/2010/main" val="1043277457"/>
-      </p:ext>
-    </p:extLst>
-  </p:cSld>
-  <p:clrMapOvr>
-    <a:masterClrMapping/>
-  </p:clrMapOvr>
-</p:sld>
-</file>
-
-<file path=ppt/slides/slide29.xml><?xml version="1.0" encoding="utf-8"?>
-<p:sld xmlns:a="http://schemas.openxmlformats.org/drawingml/2006/main" xmlns:r="http://schemas.openxmlformats.org/officeDocument/2006/relationships" xmlns:p="http://schemas.openxmlformats.org/presentationml/2006/main">
-  <p:cSld>
-    <p:spTree>
-      <p:nvGrpSpPr>
-        <p:cNvPr id="1" name=""/>
-        <p:cNvGrpSpPr/>
-        <p:nvPr/>
-      </p:nvGrpSpPr>
-      <p:grpSpPr>
-        <a:xfrm>
-          <a:off x="0" y="0"/>
-          <a:ext cx="0" cy="0"/>
-          <a:chOff x="0" y="0"/>
-          <a:chExt cx="0" cy="0"/>
-        </a:xfrm>
-      </p:grpSpPr>
-      <p:pic>
-        <p:nvPicPr>
-          <p:cNvPr id="5" name="Picture 4" descr="A graph with red and blue bars&#10;&#10;Description automatically generated">
-            <a:extLst>
-              <a:ext uri="{FF2B5EF4-FFF2-40B4-BE49-F238E27FC236}">
-                <a16:creationId xmlns:a16="http://schemas.microsoft.com/office/drawing/2014/main" id="{836B0EB0-AE36-9185-2E59-A5975633A217}"/>
-              </a:ext>
-            </a:extLst>
-          </p:cNvPr>
-          <p:cNvPicPr>
-            <a:picLocks noChangeAspect="1"/>
-          </p:cNvPicPr>
-          <p:nvPr/>
-        </p:nvPicPr>
-        <p:blipFill>
-          <a:blip r:embed="rId2">
-            <a:extLst>
-              <a:ext uri="{28A0092B-C50C-407E-A947-70E740481C1C}">
-                <a14:useLocalDpi xmlns:a14="http://schemas.microsoft.com/office/drawing/2010/main" val="0"/>
-              </a:ext>
-            </a:extLst>
-          </a:blip>
-          <a:stretch>
-            <a:fillRect/>
-          </a:stretch>
-        </p:blipFill>
-        <p:spPr>
-          <a:xfrm>
-            <a:off x="71120" y="-1"/>
-            <a:ext cx="6024880" cy="3567363"/>
-          </a:xfrm>
-          <a:prstGeom prst="rect">
-            <a:avLst/>
-          </a:prstGeom>
-        </p:spPr>
-      </p:pic>
-      <p:pic>
-        <p:nvPicPr>
-          <p:cNvPr id="7" name="Picture 6" descr="A graph with different colored bars&#10;&#10;Description automatically generated">
-            <a:extLst>
-              <a:ext uri="{FF2B5EF4-FFF2-40B4-BE49-F238E27FC236}">
-                <a16:creationId xmlns:a16="http://schemas.microsoft.com/office/drawing/2014/main" id="{13141C0C-46FB-3653-5D1D-9F59FFBB84AB}"/>
-              </a:ext>
-            </a:extLst>
-          </p:cNvPr>
-          <p:cNvPicPr>
-            <a:picLocks noChangeAspect="1"/>
-          </p:cNvPicPr>
-          <p:nvPr/>
-        </p:nvPicPr>
-        <p:blipFill>
-          <a:blip r:embed="rId3">
-            <a:extLst>
-              <a:ext uri="{28A0092B-C50C-407E-A947-70E740481C1C}">
-                <a14:useLocalDpi xmlns:a14="http://schemas.microsoft.com/office/drawing/2010/main" val="0"/>
-              </a:ext>
-            </a:extLst>
-          </a:blip>
-          <a:stretch>
-            <a:fillRect/>
-          </a:stretch>
-        </p:blipFill>
-        <p:spPr>
-          <a:xfrm>
-            <a:off x="6167120" y="-1"/>
-            <a:ext cx="6024880" cy="3567363"/>
-          </a:xfrm>
-          <a:prstGeom prst="rect">
-            <a:avLst/>
-          </a:prstGeom>
-        </p:spPr>
-      </p:pic>
-      <p:sp>
-        <p:nvSpPr>
-          <p:cNvPr id="8" name="TextBox 7">
-            <a:extLst>
-              <a:ext uri="{FF2B5EF4-FFF2-40B4-BE49-F238E27FC236}">
-                <a16:creationId xmlns:a16="http://schemas.microsoft.com/office/drawing/2014/main" id="{CB98D6B8-04B0-386E-65C5-BC85ECE77230}"/>
-              </a:ext>
-            </a:extLst>
-          </p:cNvPr>
-          <p:cNvSpPr txBox="1"/>
-          <p:nvPr/>
-        </p:nvSpPr>
-        <p:spPr>
-          <a:xfrm>
-            <a:off x="4513141" y="3567362"/>
-            <a:ext cx="3307957" cy="369332"/>
-          </a:xfrm>
-          <a:prstGeom prst="rect">
-            <a:avLst/>
-          </a:prstGeom>
-          <a:noFill/>
-        </p:spPr>
-        <p:txBody>
-          <a:bodyPr wrap="none" rtlCol="0">
-            <a:spAutoFit/>
-          </a:bodyPr>
-          <a:lstStyle/>
-          <a:p>
-            <a:r>
-              <a:rPr lang="en-US" dirty="0"/>
-              <a:t>1521 Proteins, most variable 50%</a:t>
-            </a:r>
-          </a:p>
-        </p:txBody>
-      </p:sp>
-    </p:spTree>
-    <p:extLst>
-      <p:ext uri="{BB962C8B-B14F-4D97-AF65-F5344CB8AC3E}">
-        <p14:creationId xmlns:p14="http://schemas.microsoft.com/office/powerpoint/2010/main" val="2974376857"/>
+        <p14:creationId xmlns:p14="http://schemas.microsoft.com/office/powerpoint/2010/main" val="2261253990"/>
       </p:ext>
     </p:extLst>
   </p:cSld>
@@ -5661,12 +3757,47 @@
           <a:chExt cx="0" cy="0"/>
         </a:xfrm>
       </p:grpSpPr>
+      <p:sp>
+        <p:nvSpPr>
+          <p:cNvPr id="6" name="TextBox 5">
+            <a:extLst>
+              <a:ext uri="{FF2B5EF4-FFF2-40B4-BE49-F238E27FC236}">
+                <a16:creationId xmlns:a16="http://schemas.microsoft.com/office/drawing/2014/main" id="{11EB7071-CBC2-C9BA-043B-33D69C3A5A52}"/>
+              </a:ext>
+            </a:extLst>
+          </p:cNvPr>
+          <p:cNvSpPr txBox="1"/>
+          <p:nvPr/>
+        </p:nvSpPr>
+        <p:spPr>
+          <a:xfrm>
+            <a:off x="5286705" y="6448703"/>
+            <a:ext cx="1618585" cy="369332"/>
+          </a:xfrm>
+          <a:prstGeom prst="rect">
+            <a:avLst/>
+          </a:prstGeom>
+          <a:noFill/>
+        </p:spPr>
+        <p:txBody>
+          <a:bodyPr wrap="none" rtlCol="0">
+            <a:spAutoFit/>
+          </a:bodyPr>
+          <a:lstStyle/>
+          <a:p>
+            <a:r>
+              <a:rPr lang="en-US" dirty="0"/>
+              <a:t>Subset p &lt; 0.05</a:t>
+            </a:r>
+          </a:p>
+        </p:txBody>
+      </p:sp>
       <p:pic>
         <p:nvPicPr>
-          <p:cNvPr id="5" name="Picture 4" descr="A graph showing a number of lines&#10;&#10;Description automatically generated with medium confidence">
-            <a:extLst>
-              <a:ext uri="{FF2B5EF4-FFF2-40B4-BE49-F238E27FC236}">
-                <a16:creationId xmlns:a16="http://schemas.microsoft.com/office/drawing/2014/main" id="{BD35FB40-0CDC-93FC-90D1-594D98AB03E5}"/>
+          <p:cNvPr id="3" name="Picture 2" descr="A line of black and white lines&#10;&#10;Description automatically generated with medium confidence">
+            <a:extLst>
+              <a:ext uri="{FF2B5EF4-FFF2-40B4-BE49-F238E27FC236}">
+                <a16:creationId xmlns:a16="http://schemas.microsoft.com/office/drawing/2014/main" id="{E851D8EC-071F-F3C8-A9F9-6533C5B8F891}"/>
               </a:ext>
             </a:extLst>
           </p:cNvPr>
@@ -5689,320 +3820,18 @@
         </p:blipFill>
         <p:spPr>
           <a:xfrm>
-            <a:off x="1032756" y="66040"/>
-            <a:ext cx="10126488" cy="5992061"/>
+            <a:off x="1999677" y="0"/>
+            <a:ext cx="8192643" cy="6449325"/>
           </a:xfrm>
           <a:prstGeom prst="rect">
             <a:avLst/>
           </a:prstGeom>
         </p:spPr>
       </p:pic>
-      <p:sp>
-        <p:nvSpPr>
-          <p:cNvPr id="6" name="TextBox 5">
-            <a:extLst>
-              <a:ext uri="{FF2B5EF4-FFF2-40B4-BE49-F238E27FC236}">
-                <a16:creationId xmlns:a16="http://schemas.microsoft.com/office/drawing/2014/main" id="{11EB7071-CBC2-C9BA-043B-33D69C3A5A52}"/>
-              </a:ext>
-            </a:extLst>
-          </p:cNvPr>
-          <p:cNvSpPr txBox="1"/>
-          <p:nvPr/>
-        </p:nvSpPr>
-        <p:spPr>
-          <a:xfrm>
-            <a:off x="3752666" y="6058101"/>
-            <a:ext cx="4686668" cy="369332"/>
-          </a:xfrm>
-          <a:prstGeom prst="rect">
-            <a:avLst/>
-          </a:prstGeom>
-          <a:noFill/>
-        </p:spPr>
-        <p:txBody>
-          <a:bodyPr wrap="none" rtlCol="0">
-            <a:spAutoFit/>
-          </a:bodyPr>
-          <a:lstStyle/>
-          <a:p>
-            <a:r>
-              <a:rPr lang="en-US" dirty="0"/>
-              <a:t>Subset p &lt; 0.05, No effect on better correlations</a:t>
-            </a:r>
-          </a:p>
-        </p:txBody>
-      </p:sp>
     </p:spTree>
     <p:extLst>
       <p:ext uri="{BB962C8B-B14F-4D97-AF65-F5344CB8AC3E}">
         <p14:creationId xmlns:p14="http://schemas.microsoft.com/office/powerpoint/2010/main" val="1644267934"/>
-      </p:ext>
-    </p:extLst>
-  </p:cSld>
-  <p:clrMapOvr>
-    <a:masterClrMapping/>
-  </p:clrMapOvr>
-</p:sld>
-</file>
-
-<file path=ppt/slides/slide30.xml><?xml version="1.0" encoding="utf-8"?>
-<p:sld xmlns:a="http://schemas.openxmlformats.org/drawingml/2006/main" xmlns:r="http://schemas.openxmlformats.org/officeDocument/2006/relationships" xmlns:p="http://schemas.openxmlformats.org/presentationml/2006/main">
-  <p:cSld>
-    <p:spTree>
-      <p:nvGrpSpPr>
-        <p:cNvPr id="1" name=""/>
-        <p:cNvGrpSpPr/>
-        <p:nvPr/>
-      </p:nvGrpSpPr>
-      <p:grpSpPr>
-        <a:xfrm>
-          <a:off x="0" y="0"/>
-          <a:ext cx="0" cy="0"/>
-          <a:chOff x="0" y="0"/>
-          <a:chExt cx="0" cy="0"/>
-        </a:xfrm>
-      </p:grpSpPr>
-      <p:pic>
-        <p:nvPicPr>
-          <p:cNvPr id="5" name="Picture 4" descr="A red and blue squares&#10;&#10;Description automatically generated">
-            <a:extLst>
-              <a:ext uri="{FF2B5EF4-FFF2-40B4-BE49-F238E27FC236}">
-                <a16:creationId xmlns:a16="http://schemas.microsoft.com/office/drawing/2014/main" id="{0E1383C7-C806-2D06-61F9-72359309F92F}"/>
-              </a:ext>
-            </a:extLst>
-          </p:cNvPr>
-          <p:cNvPicPr>
-            <a:picLocks noChangeAspect="1"/>
-          </p:cNvPicPr>
-          <p:nvPr/>
-        </p:nvPicPr>
-        <p:blipFill rotWithShape="1">
-          <a:blip r:embed="rId2">
-            <a:extLst>
-              <a:ext uri="{28A0092B-C50C-407E-A947-70E740481C1C}">
-                <a14:useLocalDpi xmlns:a14="http://schemas.microsoft.com/office/drawing/2010/main" val="0"/>
-              </a:ext>
-            </a:extLst>
-          </a:blip>
-          <a:srcRect l="20129" r="19929"/>
-          <a:stretch/>
-        </p:blipFill>
-        <p:spPr>
-          <a:xfrm>
-            <a:off x="3058160" y="0"/>
-            <a:ext cx="6075680" cy="5992061"/>
-          </a:xfrm>
-          <a:prstGeom prst="rect">
-            <a:avLst/>
-          </a:prstGeom>
-        </p:spPr>
-      </p:pic>
-      <p:sp>
-        <p:nvSpPr>
-          <p:cNvPr id="6" name="TextBox 5">
-            <a:extLst>
-              <a:ext uri="{FF2B5EF4-FFF2-40B4-BE49-F238E27FC236}">
-                <a16:creationId xmlns:a16="http://schemas.microsoft.com/office/drawing/2014/main" id="{AA370C12-E770-ECBF-C4C1-6609F819709D}"/>
-              </a:ext>
-            </a:extLst>
-          </p:cNvPr>
-          <p:cNvSpPr txBox="1"/>
-          <p:nvPr/>
-        </p:nvSpPr>
-        <p:spPr>
-          <a:xfrm>
-            <a:off x="4455647" y="5894002"/>
-            <a:ext cx="3280706" cy="369332"/>
-          </a:xfrm>
-          <a:prstGeom prst="rect">
-            <a:avLst/>
-          </a:prstGeom>
-          <a:noFill/>
-        </p:spPr>
-        <p:txBody>
-          <a:bodyPr wrap="none" rtlCol="0">
-            <a:spAutoFit/>
-          </a:bodyPr>
-          <a:lstStyle/>
-          <a:p>
-            <a:r>
-              <a:rPr lang="en-US" dirty="0"/>
-              <a:t>1521 Proteins, least variable 50%</a:t>
-            </a:r>
-          </a:p>
-        </p:txBody>
-      </p:sp>
-    </p:spTree>
-    <p:extLst>
-      <p:ext uri="{BB962C8B-B14F-4D97-AF65-F5344CB8AC3E}">
-        <p14:creationId xmlns:p14="http://schemas.microsoft.com/office/powerpoint/2010/main" val="3991021983"/>
-      </p:ext>
-    </p:extLst>
-  </p:cSld>
-  <p:clrMapOvr>
-    <a:masterClrMapping/>
-  </p:clrMapOvr>
-</p:sld>
-</file>
-
-<file path=ppt/slides/slide31.xml><?xml version="1.0" encoding="utf-8"?>
-<p:sld xmlns:a="http://schemas.openxmlformats.org/drawingml/2006/main" xmlns:r="http://schemas.openxmlformats.org/officeDocument/2006/relationships" xmlns:p="http://schemas.openxmlformats.org/presentationml/2006/main">
-  <p:cSld>
-    <p:spTree>
-      <p:nvGrpSpPr>
-        <p:cNvPr id="1" name=""/>
-        <p:cNvGrpSpPr/>
-        <p:nvPr/>
-      </p:nvGrpSpPr>
-      <p:grpSpPr>
-        <a:xfrm>
-          <a:off x="0" y="0"/>
-          <a:ext cx="0" cy="0"/>
-          <a:chOff x="0" y="0"/>
-          <a:chExt cx="0" cy="0"/>
-        </a:xfrm>
-      </p:grpSpPr>
-      <p:pic>
-        <p:nvPicPr>
-          <p:cNvPr id="5" name="Picture 4" descr="A graph with different colored bars&#10;&#10;Description automatically generated">
-            <a:extLst>
-              <a:ext uri="{FF2B5EF4-FFF2-40B4-BE49-F238E27FC236}">
-                <a16:creationId xmlns:a16="http://schemas.microsoft.com/office/drawing/2014/main" id="{86923941-AFA9-2C15-D26C-804B086F4E9B}"/>
-              </a:ext>
-            </a:extLst>
-          </p:cNvPr>
-          <p:cNvPicPr>
-            <a:picLocks noChangeAspect="1"/>
-          </p:cNvPicPr>
-          <p:nvPr/>
-        </p:nvPicPr>
-        <p:blipFill>
-          <a:blip r:embed="rId2">
-            <a:extLst>
-              <a:ext uri="{28A0092B-C50C-407E-A947-70E740481C1C}">
-                <a14:useLocalDpi xmlns:a14="http://schemas.microsoft.com/office/drawing/2010/main" val="0"/>
-              </a:ext>
-            </a:extLst>
-          </a:blip>
-          <a:stretch>
-            <a:fillRect/>
-          </a:stretch>
-        </p:blipFill>
-        <p:spPr>
-          <a:xfrm>
-            <a:off x="6049037" y="0"/>
-            <a:ext cx="6142962" cy="3637280"/>
-          </a:xfrm>
-          <a:prstGeom prst="rect">
-            <a:avLst/>
-          </a:prstGeom>
-        </p:spPr>
-      </p:pic>
-      <p:pic>
-        <p:nvPicPr>
-          <p:cNvPr id="7" name="Picture 6" descr="A graph of different colored bars&#10;&#10;Description automatically generated">
-            <a:extLst>
-              <a:ext uri="{FF2B5EF4-FFF2-40B4-BE49-F238E27FC236}">
-                <a16:creationId xmlns:a16="http://schemas.microsoft.com/office/drawing/2014/main" id="{27136B4B-3094-3B90-D921-904315480152}"/>
-              </a:ext>
-            </a:extLst>
-          </p:cNvPr>
-          <p:cNvPicPr>
-            <a:picLocks noChangeAspect="1"/>
-          </p:cNvPicPr>
-          <p:nvPr/>
-        </p:nvPicPr>
-        <p:blipFill>
-          <a:blip r:embed="rId3">
-            <a:extLst>
-              <a:ext uri="{28A0092B-C50C-407E-A947-70E740481C1C}">
-                <a14:useLocalDpi xmlns:a14="http://schemas.microsoft.com/office/drawing/2010/main" val="0"/>
-              </a:ext>
-            </a:extLst>
-          </a:blip>
-          <a:stretch>
-            <a:fillRect/>
-          </a:stretch>
-        </p:blipFill>
-        <p:spPr>
-          <a:xfrm>
-            <a:off x="1" y="0"/>
-            <a:ext cx="6142962" cy="3637280"/>
-          </a:xfrm>
-          <a:prstGeom prst="rect">
-            <a:avLst/>
-          </a:prstGeom>
-        </p:spPr>
-      </p:pic>
-      <p:sp>
-        <p:nvSpPr>
-          <p:cNvPr id="8" name="TextBox 7">
-            <a:extLst>
-              <a:ext uri="{FF2B5EF4-FFF2-40B4-BE49-F238E27FC236}">
-                <a16:creationId xmlns:a16="http://schemas.microsoft.com/office/drawing/2014/main" id="{1031AEBA-6D6B-751E-A05A-692ACA45922B}"/>
-              </a:ext>
-            </a:extLst>
-          </p:cNvPr>
-          <p:cNvSpPr txBox="1"/>
-          <p:nvPr/>
-        </p:nvSpPr>
-        <p:spPr>
-          <a:xfrm>
-            <a:off x="4513141" y="3567362"/>
-            <a:ext cx="3280706" cy="369332"/>
-          </a:xfrm>
-          <a:prstGeom prst="rect">
-            <a:avLst/>
-          </a:prstGeom>
-          <a:noFill/>
-        </p:spPr>
-        <p:txBody>
-          <a:bodyPr wrap="none" rtlCol="0">
-            <a:spAutoFit/>
-          </a:bodyPr>
-          <a:lstStyle/>
-          <a:p>
-            <a:r>
-              <a:rPr lang="en-US" dirty="0"/>
-              <a:t>1521 Proteins, least variable 50%</a:t>
-            </a:r>
-          </a:p>
-        </p:txBody>
-      </p:sp>
-    </p:spTree>
-    <p:extLst>
-      <p:ext uri="{BB962C8B-B14F-4D97-AF65-F5344CB8AC3E}">
-        <p14:creationId xmlns:p14="http://schemas.microsoft.com/office/powerpoint/2010/main" val="597278579"/>
-      </p:ext>
-    </p:extLst>
-  </p:cSld>
-  <p:clrMapOvr>
-    <a:masterClrMapping/>
-  </p:clrMapOvr>
-</p:sld>
-</file>
-
-<file path=ppt/slides/slide32.xml><?xml version="1.0" encoding="utf-8"?>
-<p:sld xmlns:a="http://schemas.openxmlformats.org/drawingml/2006/main" xmlns:r="http://schemas.openxmlformats.org/officeDocument/2006/relationships" xmlns:p="http://schemas.openxmlformats.org/presentationml/2006/main">
-  <p:cSld>
-    <p:spTree>
-      <p:nvGrpSpPr>
-        <p:cNvPr id="1" name=""/>
-        <p:cNvGrpSpPr/>
-        <p:nvPr/>
-      </p:nvGrpSpPr>
-      <p:grpSpPr>
-        <a:xfrm>
-          <a:off x="0" y="0"/>
-          <a:ext cx="0" cy="0"/>
-          <a:chOff x="0" y="0"/>
-          <a:chExt cx="0" cy="0"/>
-        </a:xfrm>
-      </p:grpSpPr>
-    </p:spTree>
-    <p:extLst>
-      <p:ext uri="{BB962C8B-B14F-4D97-AF65-F5344CB8AC3E}">
-        <p14:creationId xmlns:p14="http://schemas.microsoft.com/office/powerpoint/2010/main" val="3687843797"/>
       </p:ext>
     </p:extLst>
   </p:cSld>
@@ -6031,10 +3860,10 @@
       </p:grpSpPr>
       <p:grpSp>
         <p:nvGrpSpPr>
-          <p:cNvPr id="11" name="Group 10">
-            <a:extLst>
-              <a:ext uri="{FF2B5EF4-FFF2-40B4-BE49-F238E27FC236}">
-                <a16:creationId xmlns:a16="http://schemas.microsoft.com/office/drawing/2014/main" id="{0FBAD798-A0E7-BE64-DA29-424F9B688982}"/>
+          <p:cNvPr id="20" name="Group 19">
+            <a:extLst>
+              <a:ext uri="{FF2B5EF4-FFF2-40B4-BE49-F238E27FC236}">
+                <a16:creationId xmlns:a16="http://schemas.microsoft.com/office/drawing/2014/main" id="{AD896679-28DB-9140-E70F-D1D8791F97B4}"/>
               </a:ext>
             </a:extLst>
           </p:cNvPr>
@@ -6043,109 +3872,10 @@
         </p:nvGrpSpPr>
         <p:grpSpPr>
           <a:xfrm>
-            <a:off x="6096000" y="21173"/>
-            <a:ext cx="5963920" cy="6361393"/>
-            <a:chOff x="6096000" y="21173"/>
-            <a:chExt cx="5963920" cy="6361393"/>
-          </a:xfrm>
-        </p:grpSpPr>
-        <p:sp>
-          <p:nvSpPr>
-            <p:cNvPr id="7" name="TextBox 6">
-              <a:extLst>
-                <a:ext uri="{FF2B5EF4-FFF2-40B4-BE49-F238E27FC236}">
-                  <a16:creationId xmlns:a16="http://schemas.microsoft.com/office/drawing/2014/main" id="{787B87E6-FBDB-18AD-C1E7-C6A8E26EC94D}"/>
-                </a:ext>
-              </a:extLst>
-            </p:cNvPr>
-            <p:cNvSpPr txBox="1"/>
-            <p:nvPr/>
-          </p:nvSpPr>
-          <p:spPr>
-            <a:xfrm>
-              <a:off x="6675120" y="6013234"/>
-              <a:ext cx="4859215" cy="369332"/>
-            </a:xfrm>
-            <a:prstGeom prst="rect">
-              <a:avLst/>
-            </a:prstGeom>
-            <a:noFill/>
-          </p:spPr>
-          <p:txBody>
-            <a:bodyPr wrap="none" rtlCol="0">
-              <a:spAutoFit/>
-            </a:bodyPr>
-            <a:lstStyle/>
-            <a:p>
-              <a:r>
-                <a:rPr lang="en-US" dirty="0"/>
-                <a:t>851 Proteins (</a:t>
-              </a:r>
-              <a:r>
-                <a:rPr lang="en-US" dirty="0" err="1"/>
-                <a:t>pNA</a:t>
-              </a:r>
-              <a:r>
-                <a:rPr lang="en-US" dirty="0"/>
-                <a:t> 0.965), less than 96.5% missing</a:t>
-              </a:r>
-            </a:p>
-          </p:txBody>
-        </p:sp>
-        <p:pic>
-          <p:nvPicPr>
-            <p:cNvPr id="3" name="Picture 2" descr="A white and red square with squares&#10;&#10;Description automatically generated with medium confidence">
-              <a:extLst>
-                <a:ext uri="{FF2B5EF4-FFF2-40B4-BE49-F238E27FC236}">
-                  <a16:creationId xmlns:a16="http://schemas.microsoft.com/office/drawing/2014/main" id="{0B373742-3BFE-86C8-70B2-4E6B55171173}"/>
-                </a:ext>
-              </a:extLst>
-            </p:cNvPr>
-            <p:cNvPicPr>
-              <a:picLocks noChangeAspect="1"/>
-            </p:cNvPicPr>
-            <p:nvPr/>
-          </p:nvPicPr>
-          <p:blipFill rotWithShape="1">
-            <a:blip r:embed="rId2">
-              <a:extLst>
-                <a:ext uri="{28A0092B-C50C-407E-A947-70E740481C1C}">
-                  <a14:useLocalDpi xmlns:a14="http://schemas.microsoft.com/office/drawing/2010/main" val="0"/>
-                </a:ext>
-              </a:extLst>
-            </a:blip>
-            <a:srcRect l="20467" r="20638"/>
-            <a:stretch/>
-          </p:blipFill>
-          <p:spPr>
-            <a:xfrm>
-              <a:off x="6096000" y="21173"/>
-              <a:ext cx="5963920" cy="5992061"/>
-            </a:xfrm>
-            <a:prstGeom prst="rect">
-              <a:avLst/>
-            </a:prstGeom>
-          </p:spPr>
-        </p:pic>
-      </p:grpSp>
-      <p:grpSp>
-        <p:nvGrpSpPr>
-          <p:cNvPr id="10" name="Group 9">
-            <a:extLst>
-              <a:ext uri="{FF2B5EF4-FFF2-40B4-BE49-F238E27FC236}">
-                <a16:creationId xmlns:a16="http://schemas.microsoft.com/office/drawing/2014/main" id="{5A7C0FC7-44A5-39E0-702D-94A7C15E9D97}"/>
-              </a:ext>
-            </a:extLst>
-          </p:cNvPr>
-          <p:cNvGrpSpPr/>
-          <p:nvPr/>
-        </p:nvGrpSpPr>
-        <p:grpSpPr>
-          <a:xfrm>
-            <a:off x="46504" y="21173"/>
-            <a:ext cx="5963920" cy="6361393"/>
-            <a:chOff x="46504" y="21173"/>
-            <a:chExt cx="5963920" cy="6361393"/>
+            <a:off x="132079" y="74550"/>
+            <a:ext cx="5963921" cy="6308016"/>
+            <a:chOff x="132079" y="74550"/>
+            <a:chExt cx="5963921" cy="6308016"/>
           </a:xfrm>
         </p:grpSpPr>
         <p:sp>
@@ -6163,7 +3893,7 @@
           <p:spPr>
             <a:xfrm>
               <a:off x="406400" y="6013234"/>
-              <a:ext cx="5244128" cy="369332"/>
+              <a:ext cx="5127109" cy="369332"/>
             </a:xfrm>
             <a:prstGeom prst="rect">
               <a:avLst/>
@@ -6178,7 +3908,7 @@
             <a:p>
               <a:r>
                 <a:rPr lang="en-US" dirty="0"/>
-                <a:t>886 Proteins (</a:t>
+                <a:t>1201 Proteins (</a:t>
               </a:r>
               <a:r>
                 <a:rPr lang="en-US" dirty="0" err="1"/>
@@ -6186,17 +3916,116 @@
               </a:r>
               <a:r>
                 <a:rPr lang="en-US" dirty="0"/>
-                <a:t> 0.9999), more than 99.99% missing</a:t>
+                <a:t> 0.965), more than 96.5% missing</a:t>
               </a:r>
             </a:p>
           </p:txBody>
         </p:sp>
         <p:pic>
           <p:nvPicPr>
-            <p:cNvPr id="9" name="Picture 8" descr="A white and red square with squares&#10;&#10;Description automatically generated with medium confidence">
+            <p:cNvPr id="5" name="Picture 4" descr="A red and blue squares&#10;&#10;Description automatically generated">
               <a:extLst>
                 <a:ext uri="{FF2B5EF4-FFF2-40B4-BE49-F238E27FC236}">
-                  <a16:creationId xmlns:a16="http://schemas.microsoft.com/office/drawing/2014/main" id="{C25332F7-5D16-DD74-2EF9-5D96FB1B4157}"/>
+                  <a16:creationId xmlns:a16="http://schemas.microsoft.com/office/drawing/2014/main" id="{C664B917-3410-F7C7-8E5B-2543651801D2}"/>
+                </a:ext>
+              </a:extLst>
+            </p:cNvPr>
+            <p:cNvPicPr>
+              <a:picLocks noChangeAspect="1"/>
+            </p:cNvPicPr>
+            <p:nvPr/>
+          </p:nvPicPr>
+          <p:blipFill rotWithShape="1">
+            <a:blip r:embed="rId2">
+              <a:extLst>
+                <a:ext uri="{28A0092B-C50C-407E-A947-70E740481C1C}">
+                  <a14:useLocalDpi xmlns:a14="http://schemas.microsoft.com/office/drawing/2010/main" val="0"/>
+                </a:ext>
+              </a:extLst>
+            </a:blip>
+            <a:srcRect l="14111" t="4237" r="13093" b="4138"/>
+            <a:stretch/>
+          </p:blipFill>
+          <p:spPr>
+            <a:xfrm>
+              <a:off x="132079" y="74550"/>
+              <a:ext cx="5963921" cy="5909187"/>
+            </a:xfrm>
+            <a:prstGeom prst="rect">
+              <a:avLst/>
+            </a:prstGeom>
+          </p:spPr>
+        </p:pic>
+      </p:grpSp>
+      <p:grpSp>
+        <p:nvGrpSpPr>
+          <p:cNvPr id="17" name="Group 16">
+            <a:extLst>
+              <a:ext uri="{FF2B5EF4-FFF2-40B4-BE49-F238E27FC236}">
+                <a16:creationId xmlns:a16="http://schemas.microsoft.com/office/drawing/2014/main" id="{E8B585ED-AE7F-FE2B-7420-57736123EB7D}"/>
+              </a:ext>
+            </a:extLst>
+          </p:cNvPr>
+          <p:cNvGrpSpPr/>
+          <p:nvPr/>
+        </p:nvGrpSpPr>
+        <p:grpSpPr>
+          <a:xfrm>
+            <a:off x="6067687" y="111421"/>
+            <a:ext cx="5963921" cy="6241649"/>
+            <a:chOff x="6067687" y="111421"/>
+            <a:chExt cx="5963921" cy="6241649"/>
+          </a:xfrm>
+        </p:grpSpPr>
+        <p:sp>
+          <p:nvSpPr>
+            <p:cNvPr id="8" name="TextBox 7">
+              <a:extLst>
+                <a:ext uri="{FF2B5EF4-FFF2-40B4-BE49-F238E27FC236}">
+                  <a16:creationId xmlns:a16="http://schemas.microsoft.com/office/drawing/2014/main" id="{025C1CCC-96C0-311B-9399-43016341C061}"/>
+                </a:ext>
+              </a:extLst>
+            </p:cNvPr>
+            <p:cNvSpPr txBox="1"/>
+            <p:nvPr/>
+          </p:nvSpPr>
+          <p:spPr>
+            <a:xfrm>
+              <a:off x="6675120" y="5983738"/>
+              <a:ext cx="4684488" cy="369332"/>
+            </a:xfrm>
+            <a:prstGeom prst="rect">
+              <a:avLst/>
+            </a:prstGeom>
+            <a:noFill/>
+          </p:spPr>
+          <p:txBody>
+            <a:bodyPr wrap="none" rtlCol="0">
+              <a:spAutoFit/>
+            </a:bodyPr>
+            <a:lstStyle/>
+            <a:p>
+              <a:r>
+                <a:rPr lang="en-US" dirty="0"/>
+                <a:t>1188 Proteins (</a:t>
+              </a:r>
+              <a:r>
+                <a:rPr lang="en-US" dirty="0" err="1"/>
+                <a:t>pNA</a:t>
+              </a:r>
+              <a:r>
+                <a:rPr lang="en-US" dirty="0"/>
+                <a:t> 0.91), less than 91% missing</a:t>
+              </a:r>
+            </a:p>
+          </p:txBody>
+        </p:sp>
+        <p:pic>
+          <p:nvPicPr>
+            <p:cNvPr id="14" name="Picture 13" descr="A white and red square with blue lines&#10;&#10;Description automatically generated with medium confidence">
+              <a:extLst>
+                <a:ext uri="{FF2B5EF4-FFF2-40B4-BE49-F238E27FC236}">
+                  <a16:creationId xmlns:a16="http://schemas.microsoft.com/office/drawing/2014/main" id="{FEA0E2C6-564D-1E65-2A1A-C6DE97449F08}"/>
                 </a:ext>
               </a:extLst>
             </p:cNvPr>
@@ -6213,13 +4042,13 @@
                 </a:ext>
               </a:extLst>
             </a:blip>
-            <a:srcRect l="20502" r="20603"/>
+            <a:srcRect l="13635" t="4660" r="13568" b="3715"/>
             <a:stretch/>
           </p:blipFill>
           <p:spPr>
             <a:xfrm>
-              <a:off x="46504" y="21173"/>
-              <a:ext cx="5963920" cy="5992061"/>
+              <a:off x="6067687" y="111421"/>
+              <a:ext cx="5963921" cy="5909187"/>
             </a:xfrm>
             <a:prstGeom prst="rect">
               <a:avLst/>
@@ -6259,164 +4088,41 @@
       </p:grpSpPr>
       <p:sp>
         <p:nvSpPr>
-          <p:cNvPr id="4" name="TextBox 3">
-            <a:extLst>
-              <a:ext uri="{FF2B5EF4-FFF2-40B4-BE49-F238E27FC236}">
-                <a16:creationId xmlns:a16="http://schemas.microsoft.com/office/drawing/2014/main" id="{0D323954-66F5-22CE-35DD-104080E46824}"/>
-              </a:ext>
-            </a:extLst>
-          </p:cNvPr>
-          <p:cNvSpPr txBox="1"/>
-          <p:nvPr/>
+          <p:cNvPr id="4" name="Title 1">
+            <a:extLst>
+              <a:ext uri="{FF2B5EF4-FFF2-40B4-BE49-F238E27FC236}">
+                <a16:creationId xmlns:a16="http://schemas.microsoft.com/office/drawing/2014/main" id="{158E4F41-8572-833C-9680-A4FE9375DBF8}"/>
+              </a:ext>
+            </a:extLst>
+          </p:cNvPr>
+          <p:cNvSpPr>
+            <a:spLocks noGrp="1"/>
+          </p:cNvSpPr>
+          <p:nvPr>
+            <p:ph type="title"/>
+          </p:nvPr>
         </p:nvSpPr>
         <p:spPr>
           <a:xfrm>
-            <a:off x="6675120" y="6013234"/>
-            <a:ext cx="4450449" cy="369332"/>
+            <a:off x="3297616" y="2766218"/>
+            <a:ext cx="5596767" cy="1325563"/>
           </a:xfrm>
-          <a:prstGeom prst="rect">
-            <a:avLst/>
-          </a:prstGeom>
-          <a:noFill/>
         </p:spPr>
         <p:txBody>
-          <a:bodyPr wrap="none" rtlCol="0">
-            <a:spAutoFit/>
-          </a:bodyPr>
+          <a:bodyPr/>
           <a:lstStyle/>
           <a:p>
             <a:r>
               <a:rPr lang="en-US" dirty="0"/>
-              <a:t>104 Proteins (</a:t>
-            </a:r>
-            <a:r>
-              <a:rPr lang="en-US" dirty="0" err="1"/>
-              <a:t>pNA</a:t>
-            </a:r>
-            <a:r>
-              <a:rPr lang="en-US" dirty="0"/>
-              <a:t> 0.7), less than 70% missing</a:t>
-            </a:r>
-          </a:p>
-        </p:txBody>
-      </p:sp>
-      <p:sp>
-        <p:nvSpPr>
-          <p:cNvPr id="8" name="TextBox 7">
-            <a:extLst>
-              <a:ext uri="{FF2B5EF4-FFF2-40B4-BE49-F238E27FC236}">
-                <a16:creationId xmlns:a16="http://schemas.microsoft.com/office/drawing/2014/main" id="{E10E3429-B7EB-8EE6-A7AC-FF348A44E0B2}"/>
-              </a:ext>
-            </a:extLst>
-          </p:cNvPr>
-          <p:cNvSpPr txBox="1"/>
-          <p:nvPr/>
-        </p:nvSpPr>
-        <p:spPr>
-          <a:xfrm>
-            <a:off x="708386" y="6079274"/>
-            <a:ext cx="4567469" cy="369332"/>
-          </a:xfrm>
-          <a:prstGeom prst="rect">
-            <a:avLst/>
-          </a:prstGeom>
-          <a:noFill/>
-        </p:spPr>
-        <p:txBody>
-          <a:bodyPr wrap="none" rtlCol="0">
-            <a:spAutoFit/>
-          </a:bodyPr>
-          <a:lstStyle/>
-          <a:p>
-            <a:r>
-              <a:rPr lang="en-US" dirty="0"/>
-              <a:t>172 Proteins (</a:t>
-            </a:r>
-            <a:r>
-              <a:rPr lang="en-US" dirty="0" err="1"/>
-              <a:t>pNA</a:t>
-            </a:r>
-            <a:r>
-              <a:rPr lang="en-US" dirty="0"/>
-              <a:t> 0.80), less than 80% missing</a:t>
-            </a:r>
-          </a:p>
-        </p:txBody>
-      </p:sp>
-      <p:pic>
-        <p:nvPicPr>
-          <p:cNvPr id="5" name="Picture 4" descr="A close-up of a grid&#10;&#10;Description automatically generated">
-            <a:extLst>
-              <a:ext uri="{FF2B5EF4-FFF2-40B4-BE49-F238E27FC236}">
-                <a16:creationId xmlns:a16="http://schemas.microsoft.com/office/drawing/2014/main" id="{487F7D9D-5E61-F747-120A-A07CFEFA2EB7}"/>
-              </a:ext>
-            </a:extLst>
-          </p:cNvPr>
-          <p:cNvPicPr>
-            <a:picLocks noChangeAspect="1"/>
-          </p:cNvPicPr>
-          <p:nvPr/>
-        </p:nvPicPr>
-        <p:blipFill rotWithShape="1">
-          <a:blip r:embed="rId2">
-            <a:extLst>
-              <a:ext uri="{28A0092B-C50C-407E-A947-70E740481C1C}">
-                <a14:useLocalDpi xmlns:a14="http://schemas.microsoft.com/office/drawing/2010/main" val="0"/>
-              </a:ext>
-            </a:extLst>
-          </a:blip>
-          <a:srcRect l="20302" r="20703"/>
-          <a:stretch/>
-        </p:blipFill>
-        <p:spPr>
-          <a:xfrm>
-            <a:off x="1408" y="66040"/>
-            <a:ext cx="5974080" cy="5992061"/>
-          </a:xfrm>
-          <a:prstGeom prst="rect">
-            <a:avLst/>
-          </a:prstGeom>
-        </p:spPr>
-      </p:pic>
-      <p:pic>
-        <p:nvPicPr>
-          <p:cNvPr id="11" name="Picture 10" descr="A white and red square with a red square&#10;&#10;Description automatically generated">
-            <a:extLst>
-              <a:ext uri="{FF2B5EF4-FFF2-40B4-BE49-F238E27FC236}">
-                <a16:creationId xmlns:a16="http://schemas.microsoft.com/office/drawing/2014/main" id="{FBDC6552-AFBA-7DAA-BA5B-B9D7CEFF9297}"/>
-              </a:ext>
-            </a:extLst>
-          </p:cNvPr>
-          <p:cNvPicPr>
-            <a:picLocks noChangeAspect="1"/>
-          </p:cNvPicPr>
-          <p:nvPr/>
-        </p:nvPicPr>
-        <p:blipFill rotWithShape="1">
-          <a:blip r:embed="rId3">
-            <a:extLst>
-              <a:ext uri="{28A0092B-C50C-407E-A947-70E740481C1C}">
-                <a14:useLocalDpi xmlns:a14="http://schemas.microsoft.com/office/drawing/2010/main" val="0"/>
-              </a:ext>
-            </a:extLst>
-          </a:blip>
-          <a:srcRect l="20617" r="20388"/>
-          <a:stretch/>
-        </p:blipFill>
-        <p:spPr>
-          <a:xfrm>
-            <a:off x="5975488" y="66040"/>
-            <a:ext cx="5974080" cy="5992061"/>
-          </a:xfrm>
-          <a:prstGeom prst="rect">
-            <a:avLst/>
-          </a:prstGeom>
-        </p:spPr>
-      </p:pic>
+              <a:t>Missing Values Samples</a:t>
+            </a:r>
+          </a:p>
+        </p:txBody>
+      </p:sp>
     </p:spTree>
     <p:extLst>
       <p:ext uri="{BB962C8B-B14F-4D97-AF65-F5344CB8AC3E}">
-        <p14:creationId xmlns:p14="http://schemas.microsoft.com/office/powerpoint/2010/main" val="672758084"/>
+        <p14:creationId xmlns:p14="http://schemas.microsoft.com/office/powerpoint/2010/main" val="1074554734"/>
       </p:ext>
     </p:extLst>
   </p:cSld>
@@ -6443,35 +4149,73 @@
           <a:chExt cx="0" cy="0"/>
         </a:xfrm>
       </p:grpSpPr>
-      <p:sp>
-        <p:nvSpPr>
-          <p:cNvPr id="2" name="Title 1">
-            <a:extLst>
-              <a:ext uri="{FF2B5EF4-FFF2-40B4-BE49-F238E27FC236}">
-                <a16:creationId xmlns:a16="http://schemas.microsoft.com/office/drawing/2014/main" id="{64622E48-9071-58E1-0294-A0A04CF88587}"/>
-              </a:ext>
-            </a:extLst>
-          </p:cNvPr>
-          <p:cNvSpPr>
-            <a:spLocks noGrp="1"/>
-          </p:cNvSpPr>
-          <p:nvPr>
-            <p:ph type="title"/>
-          </p:nvPr>
-        </p:nvSpPr>
+      <p:pic>
+        <p:nvPicPr>
+          <p:cNvPr id="7" name="Picture 6" descr="A line graph of a graph&#10;&#10;Description automatically generated with medium confidence">
+            <a:extLst>
+              <a:ext uri="{FF2B5EF4-FFF2-40B4-BE49-F238E27FC236}">
+                <a16:creationId xmlns:a16="http://schemas.microsoft.com/office/drawing/2014/main" id="{85213C8D-FA95-D101-CE42-DBEC71C7642B}"/>
+              </a:ext>
+            </a:extLst>
+          </p:cNvPr>
+          <p:cNvPicPr>
+            <a:picLocks noChangeAspect="1"/>
+          </p:cNvPicPr>
+          <p:nvPr/>
+        </p:nvPicPr>
+        <p:blipFill>
+          <a:blip r:embed="rId2">
+            <a:extLst>
+              <a:ext uri="{28A0092B-C50C-407E-A947-70E740481C1C}">
+                <a14:useLocalDpi xmlns:a14="http://schemas.microsoft.com/office/drawing/2010/main" val="0"/>
+              </a:ext>
+            </a:extLst>
+          </a:blip>
+          <a:stretch>
+            <a:fillRect/>
+          </a:stretch>
+        </p:blipFill>
         <p:spPr>
           <a:xfrm>
-            <a:off x="5377180" y="2766218"/>
-            <a:ext cx="1437640" cy="1325563"/>
+            <a:off x="1999678" y="0"/>
+            <a:ext cx="8192643" cy="6449325"/>
           </a:xfrm>
+          <a:prstGeom prst="rect">
+            <a:avLst/>
+          </a:prstGeom>
         </p:spPr>
-        <p:txBody>
-          <a:bodyPr/>
+      </p:pic>
+      <p:sp>
+        <p:nvSpPr>
+          <p:cNvPr id="8" name="TextBox 7">
+            <a:extLst>
+              <a:ext uri="{FF2B5EF4-FFF2-40B4-BE49-F238E27FC236}">
+                <a16:creationId xmlns:a16="http://schemas.microsoft.com/office/drawing/2014/main" id="{0C0F39FC-18AB-D45C-BAFA-BAF53ACF809D}"/>
+              </a:ext>
+            </a:extLst>
+          </p:cNvPr>
+          <p:cNvSpPr txBox="1"/>
+          <p:nvPr/>
+        </p:nvSpPr>
+        <p:spPr>
+          <a:xfrm>
+            <a:off x="4063327" y="6449325"/>
+            <a:ext cx="4065344" cy="369332"/>
+          </a:xfrm>
+          <a:prstGeom prst="rect">
+            <a:avLst/>
+          </a:prstGeom>
+          <a:noFill/>
+        </p:spPr>
+        <p:txBody>
+          <a:bodyPr wrap="none" rtlCol="0">
+            <a:spAutoFit/>
+          </a:bodyPr>
           <a:lstStyle/>
           <a:p>
             <a:r>
               <a:rPr lang="en-US" dirty="0"/>
-              <a:t>HVGs</a:t>
+              <a:t>Samples with less than 0.X missing values</a:t>
             </a:r>
           </a:p>
         </p:txBody>
@@ -6479,7 +4223,7 @@
     </p:spTree>
     <p:extLst>
       <p:ext uri="{BB962C8B-B14F-4D97-AF65-F5344CB8AC3E}">
-        <p14:creationId xmlns:p14="http://schemas.microsoft.com/office/powerpoint/2010/main" val="3022652627"/>
+        <p14:creationId xmlns:p14="http://schemas.microsoft.com/office/powerpoint/2010/main" val="2622052633"/>
       </p:ext>
     </p:extLst>
   </p:cSld>
@@ -6508,10 +4252,10 @@
       </p:grpSpPr>
       <p:pic>
         <p:nvPicPr>
-          <p:cNvPr id="4" name="Picture 3" descr="A graph of a graph&#10;&#10;Description automatically generated">
-            <a:extLst>
-              <a:ext uri="{FF2B5EF4-FFF2-40B4-BE49-F238E27FC236}">
-                <a16:creationId xmlns:a16="http://schemas.microsoft.com/office/drawing/2014/main" id="{3CB955C3-F458-AC05-84E9-895C94F32C79}"/>
+          <p:cNvPr id="5" name="Picture 4" descr="A red and white grid&#10;&#10;Description automatically generated">
+            <a:extLst>
+              <a:ext uri="{FF2B5EF4-FFF2-40B4-BE49-F238E27FC236}">
+                <a16:creationId xmlns:a16="http://schemas.microsoft.com/office/drawing/2014/main" id="{78F3E859-203E-DF44-7C5C-3F01F8955EA3}"/>
               </a:ext>
             </a:extLst>
           </p:cNvPr>
@@ -6520,7 +4264,7 @@
           </p:cNvPicPr>
           <p:nvPr/>
         </p:nvPicPr>
-        <p:blipFill>
+        <p:blipFill rotWithShape="1">
           <a:blip r:embed="rId2">
             <a:extLst>
               <a:ext uri="{28A0092B-C50C-407E-A947-70E740481C1C}">
@@ -6528,24 +4272,144 @@
               </a:ext>
             </a:extLst>
           </a:blip>
-          <a:stretch>
-            <a:fillRect/>
-          </a:stretch>
+          <a:srcRect l="13396" r="13276"/>
+          <a:stretch/>
         </p:blipFill>
         <p:spPr>
           <a:xfrm>
-            <a:off x="1032756" y="97689"/>
-            <a:ext cx="10126488" cy="5992061"/>
+            <a:off x="88490" y="108679"/>
+            <a:ext cx="6007510" cy="5696745"/>
           </a:xfrm>
           <a:prstGeom prst="rect">
             <a:avLst/>
           </a:prstGeom>
         </p:spPr>
       </p:pic>
+      <p:sp>
+        <p:nvSpPr>
+          <p:cNvPr id="6" name="TextBox 5">
+            <a:extLst>
+              <a:ext uri="{FF2B5EF4-FFF2-40B4-BE49-F238E27FC236}">
+                <a16:creationId xmlns:a16="http://schemas.microsoft.com/office/drawing/2014/main" id="{0554A253-CE75-D433-DB5A-58639EC155F6}"/>
+              </a:ext>
+            </a:extLst>
+          </p:cNvPr>
+          <p:cNvSpPr txBox="1"/>
+          <p:nvPr/>
+        </p:nvSpPr>
+        <p:spPr>
+          <a:xfrm>
+            <a:off x="878337" y="5805424"/>
+            <a:ext cx="4427815" cy="369332"/>
+          </a:xfrm>
+          <a:prstGeom prst="rect">
+            <a:avLst/>
+          </a:prstGeom>
+          <a:noFill/>
+        </p:spPr>
+        <p:txBody>
+          <a:bodyPr wrap="none" rtlCol="0">
+            <a:spAutoFit/>
+          </a:bodyPr>
+          <a:lstStyle/>
+          <a:p>
+            <a:r>
+              <a:rPr lang="en-US" dirty="0"/>
+              <a:t>924 Samples (</a:t>
+            </a:r>
+            <a:r>
+              <a:rPr lang="en-US" dirty="0" err="1"/>
+              <a:t>sNA</a:t>
+            </a:r>
+            <a:r>
+              <a:rPr lang="en-US" dirty="0"/>
+              <a:t> 0.8), less than 80% missing</a:t>
+            </a:r>
+          </a:p>
+        </p:txBody>
+      </p:sp>
+      <p:pic>
+        <p:nvPicPr>
+          <p:cNvPr id="8" name="Picture 7" descr="A white and red squares&#10;&#10;Description automatically generated">
+            <a:extLst>
+              <a:ext uri="{FF2B5EF4-FFF2-40B4-BE49-F238E27FC236}">
+                <a16:creationId xmlns:a16="http://schemas.microsoft.com/office/drawing/2014/main" id="{081A8F78-E4A3-EA5E-41BA-93387D44383E}"/>
+              </a:ext>
+            </a:extLst>
+          </p:cNvPr>
+          <p:cNvPicPr>
+            <a:picLocks noChangeAspect="1"/>
+          </p:cNvPicPr>
+          <p:nvPr/>
+        </p:nvPicPr>
+        <p:blipFill rotWithShape="1">
+          <a:blip r:embed="rId3">
+            <a:extLst>
+              <a:ext uri="{28A0092B-C50C-407E-A947-70E740481C1C}">
+                <a14:useLocalDpi xmlns:a14="http://schemas.microsoft.com/office/drawing/2010/main" val="0"/>
+              </a:ext>
+            </a:extLst>
+          </a:blip>
+          <a:srcRect l="13962" r="13756"/>
+          <a:stretch/>
+        </p:blipFill>
+        <p:spPr>
+          <a:xfrm>
+            <a:off x="6181681" y="108679"/>
+            <a:ext cx="5921829" cy="5696745"/>
+          </a:xfrm>
+          <a:prstGeom prst="rect">
+            <a:avLst/>
+          </a:prstGeom>
+        </p:spPr>
+      </p:pic>
+      <p:sp>
+        <p:nvSpPr>
+          <p:cNvPr id="9" name="TextBox 8">
+            <a:extLst>
+              <a:ext uri="{FF2B5EF4-FFF2-40B4-BE49-F238E27FC236}">
+                <a16:creationId xmlns:a16="http://schemas.microsoft.com/office/drawing/2014/main" id="{58609392-86AA-C856-3516-33024BC7AF54}"/>
+              </a:ext>
+            </a:extLst>
+          </p:cNvPr>
+          <p:cNvSpPr txBox="1"/>
+          <p:nvPr/>
+        </p:nvSpPr>
+        <p:spPr>
+          <a:xfrm>
+            <a:off x="6853250" y="5805424"/>
+            <a:ext cx="4578689" cy="369332"/>
+          </a:xfrm>
+          <a:prstGeom prst="rect">
+            <a:avLst/>
+          </a:prstGeom>
+          <a:noFill/>
+        </p:spPr>
+        <p:txBody>
+          <a:bodyPr wrap="none" rtlCol="0">
+            <a:spAutoFit/>
+          </a:bodyPr>
+          <a:lstStyle/>
+          <a:p>
+            <a:r>
+              <a:rPr lang="en-US" dirty="0"/>
+              <a:t>566 Samples (</a:t>
+            </a:r>
+            <a:r>
+              <a:rPr lang="en-US" dirty="0" err="1"/>
+              <a:t>sNA</a:t>
+            </a:r>
+            <a:r>
+              <a:rPr lang="en-US" dirty="0"/>
+              <a:t> 0.8), more than 80% missing</a:t>
+            </a:r>
+          </a:p>
+        </p:txBody>
+      </p:sp>
     </p:spTree>
     <p:extLst>
       <p:ext uri="{BB962C8B-B14F-4D97-AF65-F5344CB8AC3E}">
-        <p14:creationId xmlns:p14="http://schemas.microsoft.com/office/powerpoint/2010/main" val="1509763274"/>
+        <p14:creationId xmlns:p14="http://schemas.microsoft.com/office/powerpoint/2010/main" val="2566481096"/>
       </p:ext>
     </p:extLst>
   </p:cSld>
@@ -6572,46 +4436,43 @@
           <a:chExt cx="0" cy="0"/>
         </a:xfrm>
       </p:grpSpPr>
-      <p:pic>
-        <p:nvPicPr>
-          <p:cNvPr id="2" name="Picture 1" descr="A graph of a graph showing a line of rhombuses&#10;&#10;Description automatically generated">
-            <a:extLst>
-              <a:ext uri="{FF2B5EF4-FFF2-40B4-BE49-F238E27FC236}">
-                <a16:creationId xmlns:a16="http://schemas.microsoft.com/office/drawing/2014/main" id="{80DEB1DA-7BFE-9870-3B06-E915E54FCCC4}"/>
-              </a:ext>
-            </a:extLst>
-          </p:cNvPr>
-          <p:cNvPicPr>
-            <a:picLocks noChangeAspect="1"/>
-          </p:cNvPicPr>
-          <p:nvPr/>
-        </p:nvPicPr>
-        <p:blipFill>
-          <a:blip r:embed="rId2">
-            <a:extLst>
-              <a:ext uri="{28A0092B-C50C-407E-A947-70E740481C1C}">
-                <a14:useLocalDpi xmlns:a14="http://schemas.microsoft.com/office/drawing/2010/main" val="0"/>
-              </a:ext>
-            </a:extLst>
-          </a:blip>
-          <a:stretch>
-            <a:fillRect/>
-          </a:stretch>
-        </p:blipFill>
+      <p:sp>
+        <p:nvSpPr>
+          <p:cNvPr id="2" name="Title 1">
+            <a:extLst>
+              <a:ext uri="{FF2B5EF4-FFF2-40B4-BE49-F238E27FC236}">
+                <a16:creationId xmlns:a16="http://schemas.microsoft.com/office/drawing/2014/main" id="{64622E48-9071-58E1-0294-A0A04CF88587}"/>
+              </a:ext>
+            </a:extLst>
+          </p:cNvPr>
+          <p:cNvSpPr>
+            <a:spLocks noGrp="1"/>
+          </p:cNvSpPr>
+          <p:nvPr>
+            <p:ph type="title"/>
+          </p:nvPr>
+        </p:nvSpPr>
         <p:spPr>
           <a:xfrm>
-            <a:off x="1032756" y="0"/>
-            <a:ext cx="10126488" cy="5992061"/>
+            <a:off x="5377180" y="2766218"/>
+            <a:ext cx="1437640" cy="1325563"/>
           </a:xfrm>
-          <a:prstGeom prst="rect">
-            <a:avLst/>
-          </a:prstGeom>
         </p:spPr>
-      </p:pic>
+        <p:txBody>
+          <a:bodyPr/>
+          <a:lstStyle/>
+          <a:p>
+            <a:r>
+              <a:rPr lang="en-US" dirty="0"/>
+              <a:t>HVGs</a:t>
+            </a:r>
+          </a:p>
+        </p:txBody>
+      </p:sp>
     </p:spTree>
     <p:extLst>
       <p:ext uri="{BB962C8B-B14F-4D97-AF65-F5344CB8AC3E}">
-        <p14:creationId xmlns:p14="http://schemas.microsoft.com/office/powerpoint/2010/main" val="3743854474"/>
+        <p14:creationId xmlns:p14="http://schemas.microsoft.com/office/powerpoint/2010/main" val="3022652627"/>
       </p:ext>
     </p:extLst>
   </p:cSld>
@@ -6638,82 +4499,12 @@
           <a:chExt cx="0" cy="0"/>
         </a:xfrm>
       </p:grpSpPr>
-      <p:sp>
-        <p:nvSpPr>
-          <p:cNvPr id="4" name="TextBox 3">
-            <a:extLst>
-              <a:ext uri="{FF2B5EF4-FFF2-40B4-BE49-F238E27FC236}">
-                <a16:creationId xmlns:a16="http://schemas.microsoft.com/office/drawing/2014/main" id="{466FCB3E-A74C-1C3A-5E40-BEA417BC312F}"/>
-              </a:ext>
-            </a:extLst>
-          </p:cNvPr>
-          <p:cNvSpPr txBox="1"/>
-          <p:nvPr/>
-        </p:nvSpPr>
-        <p:spPr>
-          <a:xfrm>
-            <a:off x="708386" y="6079274"/>
-            <a:ext cx="3186129" cy="369332"/>
-          </a:xfrm>
-          <a:prstGeom prst="rect">
-            <a:avLst/>
-          </a:prstGeom>
-          <a:noFill/>
-        </p:spPr>
-        <p:txBody>
-          <a:bodyPr wrap="none" rtlCol="0">
-            <a:spAutoFit/>
-          </a:bodyPr>
-          <a:lstStyle/>
-          <a:p>
-            <a:r>
-              <a:rPr lang="en-US" dirty="0"/>
-              <a:t>305 Proteins, most variable 10%</a:t>
-            </a:r>
-          </a:p>
-        </p:txBody>
-      </p:sp>
-      <p:sp>
-        <p:nvSpPr>
-          <p:cNvPr id="9" name="TextBox 8">
-            <a:extLst>
-              <a:ext uri="{FF2B5EF4-FFF2-40B4-BE49-F238E27FC236}">
-                <a16:creationId xmlns:a16="http://schemas.microsoft.com/office/drawing/2014/main" id="{D2D88703-35F8-9EEB-DE1C-6526780BFC53}"/>
-              </a:ext>
-            </a:extLst>
-          </p:cNvPr>
-          <p:cNvSpPr txBox="1"/>
-          <p:nvPr/>
-        </p:nvSpPr>
-        <p:spPr>
-          <a:xfrm>
-            <a:off x="6675120" y="6013234"/>
-            <a:ext cx="3163687" cy="369332"/>
-          </a:xfrm>
-          <a:prstGeom prst="rect">
-            <a:avLst/>
-          </a:prstGeom>
-          <a:noFill/>
-        </p:spPr>
-        <p:txBody>
-          <a:bodyPr wrap="none" rtlCol="0">
-            <a:spAutoFit/>
-          </a:bodyPr>
-          <a:lstStyle/>
-          <a:p>
-            <a:r>
-              <a:rPr lang="en-US" dirty="0"/>
-              <a:t>305 Proteins, least variable 10%</a:t>
-            </a:r>
-          </a:p>
-        </p:txBody>
-      </p:sp>
       <p:pic>
         <p:nvPicPr>
-          <p:cNvPr id="3" name="Picture 2" descr="A red and blue squares&#10;&#10;Description automatically generated">
-            <a:extLst>
-              <a:ext uri="{FF2B5EF4-FFF2-40B4-BE49-F238E27FC236}">
-                <a16:creationId xmlns:a16="http://schemas.microsoft.com/office/drawing/2014/main" id="{4AAD9EB1-E5C5-B357-F176-20D1E6A4723A}"/>
+          <p:cNvPr id="3" name="Picture 2" descr="A graph showing a line of rhombuses&#10;&#10;Description automatically generated">
+            <a:extLst>
+              <a:ext uri="{FF2B5EF4-FFF2-40B4-BE49-F238E27FC236}">
+                <a16:creationId xmlns:a16="http://schemas.microsoft.com/office/drawing/2014/main" id="{B7FF292D-36BA-6ED2-DAA5-42BA986F41FD}"/>
               </a:ext>
             </a:extLst>
           </p:cNvPr>
@@ -6722,7 +4513,7 @@
           </p:cNvPicPr>
           <p:nvPr/>
         </p:nvPicPr>
-        <p:blipFill rotWithShape="1">
+        <p:blipFill>
           <a:blip r:embed="rId2">
             <a:extLst>
               <a:ext uri="{28A0092B-C50C-407E-A947-70E740481C1C}">
@@ -6730,48 +4521,14 @@
               </a:ext>
             </a:extLst>
           </a:blip>
-          <a:srcRect l="20603" r="19499"/>
-          <a:stretch/>
+          <a:stretch>
+            <a:fillRect/>
+          </a:stretch>
         </p:blipFill>
         <p:spPr>
           <a:xfrm>
-            <a:off x="30479" y="92926"/>
-            <a:ext cx="6065521" cy="5992061"/>
-          </a:xfrm>
-          <a:prstGeom prst="rect">
-            <a:avLst/>
-          </a:prstGeom>
-        </p:spPr>
-      </p:pic>
-      <p:pic>
-        <p:nvPicPr>
-          <p:cNvPr id="7" name="Picture 6" descr="A grid of squares with red and blue squares&#10;&#10;Description automatically generated">
-            <a:extLst>
-              <a:ext uri="{FF2B5EF4-FFF2-40B4-BE49-F238E27FC236}">
-                <a16:creationId xmlns:a16="http://schemas.microsoft.com/office/drawing/2014/main" id="{F27753F7-C956-48DE-C28C-8FE466E2EA55}"/>
-              </a:ext>
-            </a:extLst>
-          </p:cNvPr>
-          <p:cNvPicPr>
-            <a:picLocks noChangeAspect="1"/>
-          </p:cNvPicPr>
-          <p:nvPr/>
-        </p:nvPicPr>
-        <p:blipFill rotWithShape="1">
-          <a:blip r:embed="rId3">
-            <a:extLst>
-              <a:ext uri="{28A0092B-C50C-407E-A947-70E740481C1C}">
-                <a14:useLocalDpi xmlns:a14="http://schemas.microsoft.com/office/drawing/2010/main" val="0"/>
-              </a:ext>
-            </a:extLst>
-          </a:blip>
-          <a:srcRect l="20101" r="20001"/>
-          <a:stretch/>
-        </p:blipFill>
-        <p:spPr>
-          <a:xfrm>
-            <a:off x="6096000" y="92926"/>
-            <a:ext cx="6065521" cy="5992061"/>
+            <a:off x="1999678" y="204337"/>
+            <a:ext cx="8192643" cy="6449325"/>
           </a:xfrm>
           <a:prstGeom prst="rect">
             <a:avLst/>
@@ -6781,7 +4538,7 @@
     </p:spTree>
     <p:extLst>
       <p:ext uri="{BB962C8B-B14F-4D97-AF65-F5344CB8AC3E}">
-        <p14:creationId xmlns:p14="http://schemas.microsoft.com/office/powerpoint/2010/main" val="2072573219"/>
+        <p14:creationId xmlns:p14="http://schemas.microsoft.com/office/powerpoint/2010/main" val="1509763274"/>
       </p:ext>
     </p:extLst>
   </p:cSld>
